--- a/slides/06_ML_Clustering.pptx
+++ b/slides/06_ML_Clustering.pptx
@@ -244,7 +244,7 @@
           <a:p>
             <a:fld id="{7B6EC019-8BE9-4716-A045-AB4F46EC50AD}" type="datetimeFigureOut">
               <a:rPr lang="en-US" smtClean="0"/>
-              <a:t>4/21/2020</a:t>
+              <a:t>4/23/2020</a:t>
             </a:fld>
             <a:endParaRPr lang="en-US"/>
           </a:p>
@@ -3113,6 +3113,116 @@
 </file>
 
 <file path=ppt/notesSlides/notesSlide24.xml><?xml version="1.0" encoding="utf-8"?>
+<p:notes xmlns:a="http://schemas.openxmlformats.org/drawingml/2006/main" xmlns:r="http://schemas.openxmlformats.org/officeDocument/2006/relationships" xmlns:p="http://schemas.openxmlformats.org/presentationml/2006/main">
+  <p:cSld>
+    <p:spTree>
+      <p:nvGrpSpPr>
+        <p:cNvPr id="1" name=""/>
+        <p:cNvGrpSpPr/>
+        <p:nvPr/>
+      </p:nvGrpSpPr>
+      <p:grpSpPr>
+        <a:xfrm>
+          <a:off x="0" y="0"/>
+          <a:ext cx="0" cy="0"/>
+          <a:chOff x="0" y="0"/>
+          <a:chExt cx="0" cy="0"/>
+        </a:xfrm>
+      </p:grpSpPr>
+      <p:sp>
+        <p:nvSpPr>
+          <p:cNvPr id="2" name="Slide Image Placeholder 1"/>
+          <p:cNvSpPr>
+            <a:spLocks noGrp="1" noRot="1" noChangeAspect="1"/>
+          </p:cNvSpPr>
+          <p:nvPr>
+            <p:ph type="sldImg"/>
+          </p:nvPr>
+        </p:nvSpPr>
+        <p:spPr/>
+      </p:sp>
+      <p:sp>
+        <p:nvSpPr>
+          <p:cNvPr id="3" name="Notes Placeholder 2"/>
+          <p:cNvSpPr>
+            <a:spLocks noGrp="1"/>
+          </p:cNvSpPr>
+          <p:nvPr>
+            <p:ph type="body" idx="1"/>
+          </p:nvPr>
+        </p:nvSpPr>
+        <p:spPr/>
+        <p:txBody>
+          <a:bodyPr/>
+          <a:lstStyle/>
+          <a:p>
+            <a:pPr marL="0" marR="0" lvl="0" indent="0" algn="l" defTabSz="914400" rtl="0" eaLnBrk="1" fontAlgn="auto" latinLnBrk="0" hangingPunct="1">
+              <a:lnSpc>
+                <a:spcPct val="100000"/>
+              </a:lnSpc>
+              <a:spcBef>
+                <a:spcPts val="0"/>
+              </a:spcBef>
+              <a:spcAft>
+                <a:spcPts val="0"/>
+              </a:spcAft>
+              <a:buClrTx/>
+              <a:buSzTx/>
+              <a:buFontTx/>
+              <a:buNone/>
+              <a:tabLst/>
+              <a:defRPr/>
+            </a:pPr>
+            <a:r>
+              <a:rPr lang="en-US" dirty="0">
+                <a:hlinkClick r:id="rId3"/>
+              </a:rPr>
+              <a:t>https://dashee87.github.io/data%20science/general/Clustering-with-Scikit-with-GIFs/</a:t>
+            </a:r>
+            <a:endParaRPr lang="en-US" dirty="0"/>
+          </a:p>
+          <a:p>
+            <a:endParaRPr lang="en-US" dirty="0"/>
+          </a:p>
+        </p:txBody>
+      </p:sp>
+      <p:sp>
+        <p:nvSpPr>
+          <p:cNvPr id="4" name="Slide Number Placeholder 3"/>
+          <p:cNvSpPr>
+            <a:spLocks noGrp="1"/>
+          </p:cNvSpPr>
+          <p:nvPr>
+            <p:ph type="sldNum" sz="quarter" idx="5"/>
+          </p:nvPr>
+        </p:nvSpPr>
+        <p:spPr/>
+        <p:txBody>
+          <a:bodyPr/>
+          <a:lstStyle/>
+          <a:p>
+            <a:fld id="{72A85226-FE62-4B77-BD7D-7A686E774C30}" type="slidenum">
+              <a:rPr lang="en-US" smtClean="0"/>
+              <a:t>47</a:t>
+            </a:fld>
+            <a:endParaRPr lang="en-US"/>
+          </a:p>
+        </p:txBody>
+      </p:sp>
+    </p:spTree>
+    <p:extLst>
+      <p:ext uri="{BB962C8B-B14F-4D97-AF65-F5344CB8AC3E}">
+        <p14:creationId xmlns:p14="http://schemas.microsoft.com/office/powerpoint/2010/main" val="2139835866"/>
+      </p:ext>
+    </p:extLst>
+  </p:cSld>
+  <p:clrMapOvr>
+    <a:masterClrMapping/>
+  </p:clrMapOvr>
+</p:notes>
+</file>
+
+<file path=ppt/notesSlides/notesSlide25.xml><?xml version="1.0" encoding="utf-8"?>
 <p:notes xmlns:a="http://schemas.openxmlformats.org/drawingml/2006/main" xmlns:r="http://schemas.openxmlformats.org/officeDocument/2006/relationships" xmlns:p="http://schemas.openxmlformats.org/presentationml/2006/main">
   <p:cSld>
     <p:spTree>
@@ -4889,7 +4999,7 @@
           <a:p>
             <a:fld id="{5F6D1571-7249-4A7C-B463-A862308C856B}" type="datetimeFigureOut">
               <a:rPr lang="en-US" smtClean="0"/>
-              <a:t>4/21/2020</a:t>
+              <a:t>4/23/2020</a:t>
             </a:fld>
             <a:endParaRPr lang="en-US"/>
           </a:p>
@@ -5087,7 +5197,7 @@
           <a:p>
             <a:fld id="{5F6D1571-7249-4A7C-B463-A862308C856B}" type="datetimeFigureOut">
               <a:rPr lang="en-US" smtClean="0"/>
-              <a:t>4/21/2020</a:t>
+              <a:t>4/23/2020</a:t>
             </a:fld>
             <a:endParaRPr lang="en-US"/>
           </a:p>
@@ -5295,7 +5405,7 @@
           <a:p>
             <a:fld id="{5F6D1571-7249-4A7C-B463-A862308C856B}" type="datetimeFigureOut">
               <a:rPr lang="en-US" smtClean="0"/>
-              <a:t>4/21/2020</a:t>
+              <a:t>4/23/2020</a:t>
             </a:fld>
             <a:endParaRPr lang="en-US"/>
           </a:p>
@@ -5493,7 +5603,7 @@
           <a:p>
             <a:fld id="{5F6D1571-7249-4A7C-B463-A862308C856B}" type="datetimeFigureOut">
               <a:rPr lang="en-US" smtClean="0"/>
-              <a:t>4/21/2020</a:t>
+              <a:t>4/23/2020</a:t>
             </a:fld>
             <a:endParaRPr lang="en-US"/>
           </a:p>
@@ -5768,7 +5878,7 @@
           <a:p>
             <a:fld id="{5F6D1571-7249-4A7C-B463-A862308C856B}" type="datetimeFigureOut">
               <a:rPr lang="en-US" smtClean="0"/>
-              <a:t>4/21/2020</a:t>
+              <a:t>4/23/2020</a:t>
             </a:fld>
             <a:endParaRPr lang="en-US"/>
           </a:p>
@@ -6033,7 +6143,7 @@
           <a:p>
             <a:fld id="{5F6D1571-7249-4A7C-B463-A862308C856B}" type="datetimeFigureOut">
               <a:rPr lang="en-US" smtClean="0"/>
-              <a:t>4/21/2020</a:t>
+              <a:t>4/23/2020</a:t>
             </a:fld>
             <a:endParaRPr lang="en-US"/>
           </a:p>
@@ -6445,7 +6555,7 @@
           <a:p>
             <a:fld id="{5F6D1571-7249-4A7C-B463-A862308C856B}" type="datetimeFigureOut">
               <a:rPr lang="en-US" smtClean="0"/>
-              <a:t>4/21/2020</a:t>
+              <a:t>4/23/2020</a:t>
             </a:fld>
             <a:endParaRPr lang="en-US"/>
           </a:p>
@@ -6586,7 +6696,7 @@
           <a:p>
             <a:fld id="{5F6D1571-7249-4A7C-B463-A862308C856B}" type="datetimeFigureOut">
               <a:rPr lang="en-US" smtClean="0"/>
-              <a:t>4/21/2020</a:t>
+              <a:t>4/23/2020</a:t>
             </a:fld>
             <a:endParaRPr lang="en-US"/>
           </a:p>
@@ -6699,7 +6809,7 @@
           <a:p>
             <a:fld id="{5F6D1571-7249-4A7C-B463-A862308C856B}" type="datetimeFigureOut">
               <a:rPr lang="en-US" smtClean="0"/>
-              <a:t>4/21/2020</a:t>
+              <a:t>4/23/2020</a:t>
             </a:fld>
             <a:endParaRPr lang="en-US"/>
           </a:p>
@@ -7010,7 +7120,7 @@
           <a:p>
             <a:fld id="{5F6D1571-7249-4A7C-B463-A862308C856B}" type="datetimeFigureOut">
               <a:rPr lang="en-US" smtClean="0"/>
-              <a:t>4/21/2020</a:t>
+              <a:t>4/23/2020</a:t>
             </a:fld>
             <a:endParaRPr lang="en-US"/>
           </a:p>
@@ -7298,7 +7408,7 @@
           <a:p>
             <a:fld id="{5F6D1571-7249-4A7C-B463-A862308C856B}" type="datetimeFigureOut">
               <a:rPr lang="en-US" smtClean="0"/>
-              <a:t>4/21/2020</a:t>
+              <a:t>4/23/2020</a:t>
             </a:fld>
             <a:endParaRPr lang="en-US"/>
           </a:p>
@@ -7539,7 +7649,7 @@
           <a:p>
             <a:fld id="{5F6D1571-7249-4A7C-B463-A862308C856B}" type="datetimeFigureOut">
               <a:rPr lang="en-US" smtClean="0"/>
-              <a:t>4/21/2020</a:t>
+              <a:t>4/23/2020</a:t>
             </a:fld>
             <a:endParaRPr lang="en-US"/>
           </a:p>
@@ -25070,7 +25180,7 @@
 </file>
 
 <file path=ppt/slides/slide31.xml><?xml version="1.0" encoding="utf-8"?>
-<p:sld xmlns:a="http://schemas.openxmlformats.org/drawingml/2006/main" xmlns:r="http://schemas.openxmlformats.org/officeDocument/2006/relationships" xmlns:p="http://schemas.openxmlformats.org/presentationml/2006/main">
+<p:sld xmlns:a="http://schemas.openxmlformats.org/drawingml/2006/main" xmlns:r="http://schemas.openxmlformats.org/officeDocument/2006/relationships" xmlns:p="http://schemas.openxmlformats.org/presentationml/2006/main" show="0">
   <p:cSld>
     <p:spTree>
       <p:nvGrpSpPr>
@@ -41401,7 +41511,7 @@
           <p:nvPr/>
         </p:nvPicPr>
         <p:blipFill rotWithShape="1">
-          <a:blip r:embed="rId2"/>
+          <a:blip r:embed="rId3"/>
           <a:srcRect l="20139" t="15696" r="33889" b="13315"/>
           <a:stretch/>
         </p:blipFill>
@@ -41905,8 +42015,50 @@
           <a:p>
             <a:r>
               <a:rPr lang="en-US" dirty="0"/>
-              <a:t>See class GitHub clustering.md</a:t>
+              <a:t>See class GitHub </a:t>
             </a:r>
+            <a:r>
+              <a:rPr lang="en-US" dirty="0">
+                <a:solidFill>
+                  <a:schemeClr val="bg1">
+                    <a:lumMod val="75000"/>
+                  </a:schemeClr>
+                </a:solidFill>
+                <a:latin typeface="Consolas" panose="020B0609020204030204" pitchFamily="49" charset="0"/>
+                <a:hlinkClick r:id="rId3">
+                  <a:extLst>
+                    <a:ext uri="{A12FA001-AC4F-418D-AE19-62706E023703}">
+                      <ahyp:hlinkClr xmlns:ahyp="http://schemas.microsoft.com/office/drawing/2018/hyperlinkcolor" val="tx"/>
+                    </a:ext>
+                  </a:extLst>
+                </a:hlinkClick>
+              </a:rPr>
+              <a:t>https://github.com/mathphysmx/teaching-ml/blob/master/assigments/</a:t>
+            </a:r>
+            <a:r>
+              <a:rPr lang="en-US" dirty="0">
+                <a:solidFill>
+                  <a:srgbClr val="0563C1"/>
+                </a:solidFill>
+                <a:latin typeface="Consolas" panose="020B0609020204030204" pitchFamily="49" charset="0"/>
+                <a:hlinkClick r:id="rId3">
+                  <a:extLst>
+                    <a:ext uri="{A12FA001-AC4F-418D-AE19-62706E023703}">
+                      <ahyp:hlinkClr xmlns:ahyp="http://schemas.microsoft.com/office/drawing/2018/hyperlinkcolor" val="tx"/>
+                    </a:ext>
+                  </a:extLst>
+                </a:hlinkClick>
+              </a:rPr>
+              <a:t>homework_assigment_03_clustering.md</a:t>
+            </a:r>
+            <a:endParaRPr lang="en-US" dirty="0">
+              <a:latin typeface="Consolas" panose="020B0609020204030204" pitchFamily="49" charset="0"/>
+            </a:endParaRPr>
+          </a:p>
+          <a:p>
+            <a:endParaRPr lang="en-US" dirty="0">
+              <a:latin typeface="Consolas" panose="020B0609020204030204" pitchFamily="49" charset="0"/>
+            </a:endParaRPr>
           </a:p>
         </p:txBody>
       </p:sp>

--- a/slides/06_ML_Clustering.pptx
+++ b/slides/06_ML_Clustering.pptx
@@ -43805,31 +43805,6 @@
           </a:p>
         </p:txBody>
       </p:sp>
-      <p:sp>
-        <p:nvSpPr>
-          <p:cNvPr id="9" name="Content Placeholder 8">
-            <a:extLst>
-              <a:ext uri="{FF2B5EF4-FFF2-40B4-BE49-F238E27FC236}">
-                <a16:creationId xmlns:a16="http://schemas.microsoft.com/office/drawing/2014/main" id="{A3B8E1F2-3A41-4357-94F5-17FFD544C092}"/>
-              </a:ext>
-            </a:extLst>
-          </p:cNvPr>
-          <p:cNvSpPr>
-            <a:spLocks noGrp="1"/>
-          </p:cNvSpPr>
-          <p:nvPr>
-            <p:ph idx="1"/>
-          </p:nvPr>
-        </p:nvSpPr>
-        <p:spPr/>
-        <p:txBody>
-          <a:bodyPr/>
-          <a:lstStyle/>
-          <a:p>
-            <a:endParaRPr lang="en-US"/>
-          </a:p>
-        </p:txBody>
-      </p:sp>
     </p:spTree>
     <p:extLst>
       <p:ext uri="{BB962C8B-B14F-4D97-AF65-F5344CB8AC3E}">

--- a/slides/06_ML_Clustering.pptx
+++ b/slides/06_ML_Clustering.pptx
@@ -5,7 +5,7 @@
     <p:sldMasterId id="2147483648" r:id="rId1"/>
   </p:sldMasterIdLst>
   <p:notesMasterIdLst>
-    <p:notesMasterId r:id="rId50"/>
+    <p:notesMasterId r:id="rId62"/>
   </p:notesMasterIdLst>
   <p:sldIdLst>
     <p:sldId id="281" r:id="rId2"/>
@@ -56,6 +56,18 @@
     <p:sldId id="320" r:id="rId47"/>
     <p:sldId id="321" r:id="rId48"/>
     <p:sldId id="319" r:id="rId49"/>
+    <p:sldId id="323" r:id="rId50"/>
+    <p:sldId id="324" r:id="rId51"/>
+    <p:sldId id="325" r:id="rId52"/>
+    <p:sldId id="326" r:id="rId53"/>
+    <p:sldId id="327" r:id="rId54"/>
+    <p:sldId id="328" r:id="rId55"/>
+    <p:sldId id="331" r:id="rId56"/>
+    <p:sldId id="332" r:id="rId57"/>
+    <p:sldId id="333" r:id="rId58"/>
+    <p:sldId id="329" r:id="rId59"/>
+    <p:sldId id="334" r:id="rId60"/>
+    <p:sldId id="322" r:id="rId61"/>
   </p:sldIdLst>
   <p:sldSz cx="12192000" cy="6858000"/>
   <p:notesSz cx="6858000" cy="9144000"/>
@@ -244,7 +256,7 @@
           <a:p>
             <a:fld id="{7B6EC019-8BE9-4716-A045-AB4F46EC50AD}" type="datetimeFigureOut">
               <a:rPr lang="en-US" smtClean="0"/>
-              <a:t>4/23/2020</a:t>
+              <a:t>4/28/2020</a:t>
             </a:fld>
             <a:endParaRPr lang="en-US"/>
           </a:p>
@@ -4999,7 +5011,7 @@
           <a:p>
             <a:fld id="{5F6D1571-7249-4A7C-B463-A862308C856B}" type="datetimeFigureOut">
               <a:rPr lang="en-US" smtClean="0"/>
-              <a:t>4/23/2020</a:t>
+              <a:t>4/28/2020</a:t>
             </a:fld>
             <a:endParaRPr lang="en-US"/>
           </a:p>
@@ -5197,7 +5209,7 @@
           <a:p>
             <a:fld id="{5F6D1571-7249-4A7C-B463-A862308C856B}" type="datetimeFigureOut">
               <a:rPr lang="en-US" smtClean="0"/>
-              <a:t>4/23/2020</a:t>
+              <a:t>4/28/2020</a:t>
             </a:fld>
             <a:endParaRPr lang="en-US"/>
           </a:p>
@@ -5405,7 +5417,7 @@
           <a:p>
             <a:fld id="{5F6D1571-7249-4A7C-B463-A862308C856B}" type="datetimeFigureOut">
               <a:rPr lang="en-US" smtClean="0"/>
-              <a:t>4/23/2020</a:t>
+              <a:t>4/28/2020</a:t>
             </a:fld>
             <a:endParaRPr lang="en-US"/>
           </a:p>
@@ -5603,7 +5615,7 @@
           <a:p>
             <a:fld id="{5F6D1571-7249-4A7C-B463-A862308C856B}" type="datetimeFigureOut">
               <a:rPr lang="en-US" smtClean="0"/>
-              <a:t>4/23/2020</a:t>
+              <a:t>4/28/2020</a:t>
             </a:fld>
             <a:endParaRPr lang="en-US"/>
           </a:p>
@@ -5878,7 +5890,7 @@
           <a:p>
             <a:fld id="{5F6D1571-7249-4A7C-B463-A862308C856B}" type="datetimeFigureOut">
               <a:rPr lang="en-US" smtClean="0"/>
-              <a:t>4/23/2020</a:t>
+              <a:t>4/28/2020</a:t>
             </a:fld>
             <a:endParaRPr lang="en-US"/>
           </a:p>
@@ -6143,7 +6155,7 @@
           <a:p>
             <a:fld id="{5F6D1571-7249-4A7C-B463-A862308C856B}" type="datetimeFigureOut">
               <a:rPr lang="en-US" smtClean="0"/>
-              <a:t>4/23/2020</a:t>
+              <a:t>4/28/2020</a:t>
             </a:fld>
             <a:endParaRPr lang="en-US"/>
           </a:p>
@@ -6555,7 +6567,7 @@
           <a:p>
             <a:fld id="{5F6D1571-7249-4A7C-B463-A862308C856B}" type="datetimeFigureOut">
               <a:rPr lang="en-US" smtClean="0"/>
-              <a:t>4/23/2020</a:t>
+              <a:t>4/28/2020</a:t>
             </a:fld>
             <a:endParaRPr lang="en-US"/>
           </a:p>
@@ -6696,7 +6708,7 @@
           <a:p>
             <a:fld id="{5F6D1571-7249-4A7C-B463-A862308C856B}" type="datetimeFigureOut">
               <a:rPr lang="en-US" smtClean="0"/>
-              <a:t>4/23/2020</a:t>
+              <a:t>4/28/2020</a:t>
             </a:fld>
             <a:endParaRPr lang="en-US"/>
           </a:p>
@@ -6809,7 +6821,7 @@
           <a:p>
             <a:fld id="{5F6D1571-7249-4A7C-B463-A862308C856B}" type="datetimeFigureOut">
               <a:rPr lang="en-US" smtClean="0"/>
-              <a:t>4/23/2020</a:t>
+              <a:t>4/28/2020</a:t>
             </a:fld>
             <a:endParaRPr lang="en-US"/>
           </a:p>
@@ -7120,7 +7132,7 @@
           <a:p>
             <a:fld id="{5F6D1571-7249-4A7C-B463-A862308C856B}" type="datetimeFigureOut">
               <a:rPr lang="en-US" smtClean="0"/>
-              <a:t>4/23/2020</a:t>
+              <a:t>4/28/2020</a:t>
             </a:fld>
             <a:endParaRPr lang="en-US"/>
           </a:p>
@@ -7408,7 +7420,7 @@
           <a:p>
             <a:fld id="{5F6D1571-7249-4A7C-B463-A862308C856B}" type="datetimeFigureOut">
               <a:rPr lang="en-US" smtClean="0"/>
-              <a:t>4/23/2020</a:t>
+              <a:t>4/28/2020</a:t>
             </a:fld>
             <a:endParaRPr lang="en-US"/>
           </a:p>
@@ -7649,7 +7661,7 @@
           <a:p>
             <a:fld id="{5F6D1571-7249-4A7C-B463-A862308C856B}" type="datetimeFigureOut">
               <a:rPr lang="en-US" smtClean="0"/>
-              <a:t>4/23/2020</a:t>
+              <a:t>4/28/2020</a:t>
             </a:fld>
             <a:endParaRPr lang="en-US"/>
           </a:p>
@@ -42075,6 +42087,89 @@
 </p:sld>
 </file>
 
+<file path=ppt/slides/slide49.xml><?xml version="1.0" encoding="utf-8"?>
+<p:sld xmlns:a="http://schemas.openxmlformats.org/drawingml/2006/main" xmlns:r="http://schemas.openxmlformats.org/officeDocument/2006/relationships" xmlns:p="http://schemas.openxmlformats.org/presentationml/2006/main">
+  <p:cSld>
+    <p:spTree>
+      <p:nvGrpSpPr>
+        <p:cNvPr id="1" name=""/>
+        <p:cNvGrpSpPr/>
+        <p:nvPr/>
+      </p:nvGrpSpPr>
+      <p:grpSpPr>
+        <a:xfrm>
+          <a:off x="0" y="0"/>
+          <a:ext cx="0" cy="0"/>
+          <a:chOff x="0" y="0"/>
+          <a:chExt cx="0" cy="0"/>
+        </a:xfrm>
+      </p:grpSpPr>
+      <p:sp>
+        <p:nvSpPr>
+          <p:cNvPr id="4" name="Title 3">
+            <a:extLst>
+              <a:ext uri="{FF2B5EF4-FFF2-40B4-BE49-F238E27FC236}">
+                <a16:creationId xmlns:a16="http://schemas.microsoft.com/office/drawing/2014/main" id="{B7B00928-5EBA-45E1-874D-84102080E52B}"/>
+              </a:ext>
+            </a:extLst>
+          </p:cNvPr>
+          <p:cNvSpPr>
+            <a:spLocks noGrp="1"/>
+          </p:cNvSpPr>
+          <p:nvPr>
+            <p:ph type="title"/>
+          </p:nvPr>
+        </p:nvSpPr>
+        <p:spPr/>
+        <p:txBody>
+          <a:bodyPr/>
+          <a:lstStyle/>
+          <a:p>
+            <a:r>
+              <a:rPr lang="en-US" dirty="0"/>
+              <a:t>Hierarchical clustering</a:t>
+            </a:r>
+          </a:p>
+        </p:txBody>
+      </p:sp>
+      <p:sp>
+        <p:nvSpPr>
+          <p:cNvPr id="5" name="Text Placeholder 4">
+            <a:extLst>
+              <a:ext uri="{FF2B5EF4-FFF2-40B4-BE49-F238E27FC236}">
+                <a16:creationId xmlns:a16="http://schemas.microsoft.com/office/drawing/2014/main" id="{E7C2D34E-E223-4D0B-BF43-F042AADBF700}"/>
+              </a:ext>
+            </a:extLst>
+          </p:cNvPr>
+          <p:cNvSpPr>
+            <a:spLocks noGrp="1"/>
+          </p:cNvSpPr>
+          <p:nvPr>
+            <p:ph type="body" idx="1"/>
+          </p:nvPr>
+        </p:nvSpPr>
+        <p:spPr/>
+        <p:txBody>
+          <a:bodyPr/>
+          <a:lstStyle/>
+          <a:p>
+            <a:endParaRPr lang="en-US"/>
+          </a:p>
+        </p:txBody>
+      </p:sp>
+    </p:spTree>
+    <p:extLst>
+      <p:ext uri="{BB962C8B-B14F-4D97-AF65-F5344CB8AC3E}">
+        <p14:creationId xmlns:p14="http://schemas.microsoft.com/office/powerpoint/2010/main" val="390272665"/>
+      </p:ext>
+    </p:extLst>
+  </p:cSld>
+  <p:clrMapOvr>
+    <a:masterClrMapping/>
+  </p:clrMapOvr>
+</p:sld>
+</file>
+
 <file path=ppt/slides/slide5.xml><?xml version="1.0" encoding="utf-8"?>
 <p:sld xmlns:a="http://schemas.openxmlformats.org/drawingml/2006/main" xmlns:r="http://schemas.openxmlformats.org/officeDocument/2006/relationships" xmlns:p="http://schemas.openxmlformats.org/presentationml/2006/main">
   <p:cSld>
@@ -42149,6 +42244,1067 @@
     <p:extLst>
       <p:ext uri="{BB962C8B-B14F-4D97-AF65-F5344CB8AC3E}">
         <p14:creationId xmlns:p14="http://schemas.microsoft.com/office/powerpoint/2010/main" val="2270621548"/>
+      </p:ext>
+    </p:extLst>
+  </p:cSld>
+  <p:clrMapOvr>
+    <a:masterClrMapping/>
+  </p:clrMapOvr>
+</p:sld>
+</file>
+
+<file path=ppt/slides/slide50.xml><?xml version="1.0" encoding="utf-8"?>
+<p:sld xmlns:a="http://schemas.openxmlformats.org/drawingml/2006/main" xmlns:r="http://schemas.openxmlformats.org/officeDocument/2006/relationships" xmlns:p="http://schemas.openxmlformats.org/presentationml/2006/main">
+  <p:cSld>
+    <p:spTree>
+      <p:nvGrpSpPr>
+        <p:cNvPr id="1" name=""/>
+        <p:cNvGrpSpPr/>
+        <p:nvPr/>
+      </p:nvGrpSpPr>
+      <p:grpSpPr>
+        <a:xfrm>
+          <a:off x="0" y="0"/>
+          <a:ext cx="0" cy="0"/>
+          <a:chOff x="0" y="0"/>
+          <a:chExt cx="0" cy="0"/>
+        </a:xfrm>
+      </p:grpSpPr>
+      <p:sp>
+        <p:nvSpPr>
+          <p:cNvPr id="2" name="Title 1">
+            <a:extLst>
+              <a:ext uri="{FF2B5EF4-FFF2-40B4-BE49-F238E27FC236}">
+                <a16:creationId xmlns:a16="http://schemas.microsoft.com/office/drawing/2014/main" id="{20DF2C76-AB62-4F96-85E5-175C9B94C074}"/>
+              </a:ext>
+            </a:extLst>
+          </p:cNvPr>
+          <p:cNvSpPr>
+            <a:spLocks noGrp="1"/>
+          </p:cNvSpPr>
+          <p:nvPr>
+            <p:ph type="title"/>
+          </p:nvPr>
+        </p:nvSpPr>
+        <p:spPr/>
+        <p:txBody>
+          <a:bodyPr/>
+          <a:lstStyle/>
+          <a:p>
+            <a:endParaRPr lang="en-US"/>
+          </a:p>
+        </p:txBody>
+      </p:sp>
+      <p:sp>
+        <p:nvSpPr>
+          <p:cNvPr id="3" name="Text Placeholder 2">
+            <a:extLst>
+              <a:ext uri="{FF2B5EF4-FFF2-40B4-BE49-F238E27FC236}">
+                <a16:creationId xmlns:a16="http://schemas.microsoft.com/office/drawing/2014/main" id="{E4F5E06C-F1D7-4EE4-B2DE-8EA52A9D0791}"/>
+              </a:ext>
+            </a:extLst>
+          </p:cNvPr>
+          <p:cNvSpPr>
+            <a:spLocks noGrp="1"/>
+          </p:cNvSpPr>
+          <p:nvPr>
+            <p:ph type="body" idx="1"/>
+          </p:nvPr>
+        </p:nvSpPr>
+        <p:spPr/>
+        <p:txBody>
+          <a:bodyPr/>
+          <a:lstStyle/>
+          <a:p>
+            <a:endParaRPr lang="en-US"/>
+          </a:p>
+        </p:txBody>
+      </p:sp>
+      <p:pic>
+        <p:nvPicPr>
+          <p:cNvPr id="5" name="Picture 4">
+            <a:extLst>
+              <a:ext uri="{FF2B5EF4-FFF2-40B4-BE49-F238E27FC236}">
+                <a16:creationId xmlns:a16="http://schemas.microsoft.com/office/drawing/2014/main" id="{0FF03B94-4A4A-441C-BEA4-7E1CBA2C9459}"/>
+              </a:ext>
+            </a:extLst>
+          </p:cNvPr>
+          <p:cNvPicPr>
+            <a:picLocks noChangeAspect="1"/>
+          </p:cNvPicPr>
+          <p:nvPr/>
+        </p:nvPicPr>
+        <p:blipFill>
+          <a:blip r:embed="rId2"/>
+          <a:stretch>
+            <a:fillRect/>
+          </a:stretch>
+        </p:blipFill>
+        <p:spPr>
+          <a:xfrm>
+            <a:off x="0" y="1673"/>
+            <a:ext cx="12192000" cy="6854653"/>
+          </a:xfrm>
+          <a:prstGeom prst="rect">
+            <a:avLst/>
+          </a:prstGeom>
+        </p:spPr>
+      </p:pic>
+    </p:spTree>
+    <p:extLst>
+      <p:ext uri="{BB962C8B-B14F-4D97-AF65-F5344CB8AC3E}">
+        <p14:creationId xmlns:p14="http://schemas.microsoft.com/office/powerpoint/2010/main" val="1980899422"/>
+      </p:ext>
+    </p:extLst>
+  </p:cSld>
+  <p:clrMapOvr>
+    <a:masterClrMapping/>
+  </p:clrMapOvr>
+</p:sld>
+</file>
+
+<file path=ppt/slides/slide51.xml><?xml version="1.0" encoding="utf-8"?>
+<p:sld xmlns:a="http://schemas.openxmlformats.org/drawingml/2006/main" xmlns:r="http://schemas.openxmlformats.org/officeDocument/2006/relationships" xmlns:p="http://schemas.openxmlformats.org/presentationml/2006/main">
+  <p:cSld>
+    <p:spTree>
+      <p:nvGrpSpPr>
+        <p:cNvPr id="1" name=""/>
+        <p:cNvGrpSpPr/>
+        <p:nvPr/>
+      </p:nvGrpSpPr>
+      <p:grpSpPr>
+        <a:xfrm>
+          <a:off x="0" y="0"/>
+          <a:ext cx="0" cy="0"/>
+          <a:chOff x="0" y="0"/>
+          <a:chExt cx="0" cy="0"/>
+        </a:xfrm>
+      </p:grpSpPr>
+      <p:sp>
+        <p:nvSpPr>
+          <p:cNvPr id="2" name="Title 1">
+            <a:extLst>
+              <a:ext uri="{FF2B5EF4-FFF2-40B4-BE49-F238E27FC236}">
+                <a16:creationId xmlns:a16="http://schemas.microsoft.com/office/drawing/2014/main" id="{B1031AB7-4BDB-4D8D-A22C-C9CBB11555F8}"/>
+              </a:ext>
+            </a:extLst>
+          </p:cNvPr>
+          <p:cNvSpPr>
+            <a:spLocks noGrp="1"/>
+          </p:cNvSpPr>
+          <p:nvPr>
+            <p:ph type="title"/>
+          </p:nvPr>
+        </p:nvSpPr>
+        <p:spPr/>
+        <p:txBody>
+          <a:bodyPr/>
+          <a:lstStyle/>
+          <a:p>
+            <a:endParaRPr lang="en-US"/>
+          </a:p>
+        </p:txBody>
+      </p:sp>
+      <p:sp>
+        <p:nvSpPr>
+          <p:cNvPr id="3" name="Text Placeholder 2">
+            <a:extLst>
+              <a:ext uri="{FF2B5EF4-FFF2-40B4-BE49-F238E27FC236}">
+                <a16:creationId xmlns:a16="http://schemas.microsoft.com/office/drawing/2014/main" id="{7BAE25BC-8672-49DF-A015-03524E11744D}"/>
+              </a:ext>
+            </a:extLst>
+          </p:cNvPr>
+          <p:cNvSpPr>
+            <a:spLocks noGrp="1"/>
+          </p:cNvSpPr>
+          <p:nvPr>
+            <p:ph type="body" idx="1"/>
+          </p:nvPr>
+        </p:nvSpPr>
+        <p:spPr/>
+        <p:txBody>
+          <a:bodyPr/>
+          <a:lstStyle/>
+          <a:p>
+            <a:endParaRPr lang="en-US"/>
+          </a:p>
+        </p:txBody>
+      </p:sp>
+      <p:pic>
+        <p:nvPicPr>
+          <p:cNvPr id="4" name="Picture 3">
+            <a:extLst>
+              <a:ext uri="{FF2B5EF4-FFF2-40B4-BE49-F238E27FC236}">
+                <a16:creationId xmlns:a16="http://schemas.microsoft.com/office/drawing/2014/main" id="{8D0BDD74-CDCD-4E4A-B1BB-1166E679DBE4}"/>
+              </a:ext>
+            </a:extLst>
+          </p:cNvPr>
+          <p:cNvPicPr>
+            <a:picLocks noChangeAspect="1"/>
+          </p:cNvPicPr>
+          <p:nvPr/>
+        </p:nvPicPr>
+        <p:blipFill>
+          <a:blip r:embed="rId2"/>
+          <a:stretch>
+            <a:fillRect/>
+          </a:stretch>
+        </p:blipFill>
+        <p:spPr>
+          <a:xfrm>
+            <a:off x="0" y="1673"/>
+            <a:ext cx="12192000" cy="6854653"/>
+          </a:xfrm>
+          <a:prstGeom prst="rect">
+            <a:avLst/>
+          </a:prstGeom>
+        </p:spPr>
+      </p:pic>
+    </p:spTree>
+    <p:extLst>
+      <p:ext uri="{BB962C8B-B14F-4D97-AF65-F5344CB8AC3E}">
+        <p14:creationId xmlns:p14="http://schemas.microsoft.com/office/powerpoint/2010/main" val="3079878881"/>
+      </p:ext>
+    </p:extLst>
+  </p:cSld>
+  <p:clrMapOvr>
+    <a:masterClrMapping/>
+  </p:clrMapOvr>
+</p:sld>
+</file>
+
+<file path=ppt/slides/slide52.xml><?xml version="1.0" encoding="utf-8"?>
+<p:sld xmlns:a="http://schemas.openxmlformats.org/drawingml/2006/main" xmlns:r="http://schemas.openxmlformats.org/officeDocument/2006/relationships" xmlns:p="http://schemas.openxmlformats.org/presentationml/2006/main">
+  <p:cSld>
+    <p:spTree>
+      <p:nvGrpSpPr>
+        <p:cNvPr id="1" name=""/>
+        <p:cNvGrpSpPr/>
+        <p:nvPr/>
+      </p:nvGrpSpPr>
+      <p:grpSpPr>
+        <a:xfrm>
+          <a:off x="0" y="0"/>
+          <a:ext cx="0" cy="0"/>
+          <a:chOff x="0" y="0"/>
+          <a:chExt cx="0" cy="0"/>
+        </a:xfrm>
+      </p:grpSpPr>
+      <p:sp>
+        <p:nvSpPr>
+          <p:cNvPr id="2" name="Title 1">
+            <a:extLst>
+              <a:ext uri="{FF2B5EF4-FFF2-40B4-BE49-F238E27FC236}">
+                <a16:creationId xmlns:a16="http://schemas.microsoft.com/office/drawing/2014/main" id="{3ADB1A1E-7E07-450C-8C2D-D20FC82CF838}"/>
+              </a:ext>
+            </a:extLst>
+          </p:cNvPr>
+          <p:cNvSpPr>
+            <a:spLocks noGrp="1"/>
+          </p:cNvSpPr>
+          <p:nvPr>
+            <p:ph type="title"/>
+          </p:nvPr>
+        </p:nvSpPr>
+        <p:spPr/>
+        <p:txBody>
+          <a:bodyPr/>
+          <a:lstStyle/>
+          <a:p>
+            <a:endParaRPr lang="en-US"/>
+          </a:p>
+        </p:txBody>
+      </p:sp>
+      <p:sp>
+        <p:nvSpPr>
+          <p:cNvPr id="3" name="Text Placeholder 2">
+            <a:extLst>
+              <a:ext uri="{FF2B5EF4-FFF2-40B4-BE49-F238E27FC236}">
+                <a16:creationId xmlns:a16="http://schemas.microsoft.com/office/drawing/2014/main" id="{1EA9288D-2EB8-4320-AA34-34C1352F9BB9}"/>
+              </a:ext>
+            </a:extLst>
+          </p:cNvPr>
+          <p:cNvSpPr>
+            <a:spLocks noGrp="1"/>
+          </p:cNvSpPr>
+          <p:nvPr>
+            <p:ph type="body" idx="1"/>
+          </p:nvPr>
+        </p:nvSpPr>
+        <p:spPr/>
+        <p:txBody>
+          <a:bodyPr/>
+          <a:lstStyle/>
+          <a:p>
+            <a:endParaRPr lang="en-US"/>
+          </a:p>
+        </p:txBody>
+      </p:sp>
+      <p:pic>
+        <p:nvPicPr>
+          <p:cNvPr id="4" name="Picture 3">
+            <a:extLst>
+              <a:ext uri="{FF2B5EF4-FFF2-40B4-BE49-F238E27FC236}">
+                <a16:creationId xmlns:a16="http://schemas.microsoft.com/office/drawing/2014/main" id="{9A676554-0877-48D2-883D-2B02CFCED5F1}"/>
+              </a:ext>
+            </a:extLst>
+          </p:cNvPr>
+          <p:cNvPicPr>
+            <a:picLocks noChangeAspect="1"/>
+          </p:cNvPicPr>
+          <p:nvPr/>
+        </p:nvPicPr>
+        <p:blipFill>
+          <a:blip r:embed="rId2"/>
+          <a:stretch>
+            <a:fillRect/>
+          </a:stretch>
+        </p:blipFill>
+        <p:spPr>
+          <a:xfrm>
+            <a:off x="0" y="1673"/>
+            <a:ext cx="12192000" cy="6854653"/>
+          </a:xfrm>
+          <a:prstGeom prst="rect">
+            <a:avLst/>
+          </a:prstGeom>
+        </p:spPr>
+      </p:pic>
+    </p:spTree>
+    <p:extLst>
+      <p:ext uri="{BB962C8B-B14F-4D97-AF65-F5344CB8AC3E}">
+        <p14:creationId xmlns:p14="http://schemas.microsoft.com/office/powerpoint/2010/main" val="151607514"/>
+      </p:ext>
+    </p:extLst>
+  </p:cSld>
+  <p:clrMapOvr>
+    <a:masterClrMapping/>
+  </p:clrMapOvr>
+</p:sld>
+</file>
+
+<file path=ppt/slides/slide53.xml><?xml version="1.0" encoding="utf-8"?>
+<p:sld xmlns:a="http://schemas.openxmlformats.org/drawingml/2006/main" xmlns:r="http://schemas.openxmlformats.org/officeDocument/2006/relationships" xmlns:p="http://schemas.openxmlformats.org/presentationml/2006/main">
+  <p:cSld>
+    <p:spTree>
+      <p:nvGrpSpPr>
+        <p:cNvPr id="1" name=""/>
+        <p:cNvGrpSpPr/>
+        <p:nvPr/>
+      </p:nvGrpSpPr>
+      <p:grpSpPr>
+        <a:xfrm>
+          <a:off x="0" y="0"/>
+          <a:ext cx="0" cy="0"/>
+          <a:chOff x="0" y="0"/>
+          <a:chExt cx="0" cy="0"/>
+        </a:xfrm>
+      </p:grpSpPr>
+      <p:sp>
+        <p:nvSpPr>
+          <p:cNvPr id="2" name="Title 1">
+            <a:extLst>
+              <a:ext uri="{FF2B5EF4-FFF2-40B4-BE49-F238E27FC236}">
+                <a16:creationId xmlns:a16="http://schemas.microsoft.com/office/drawing/2014/main" id="{34E018F2-911C-4694-8891-C4F3DF8EFADC}"/>
+              </a:ext>
+            </a:extLst>
+          </p:cNvPr>
+          <p:cNvSpPr>
+            <a:spLocks noGrp="1"/>
+          </p:cNvSpPr>
+          <p:nvPr>
+            <p:ph type="title"/>
+          </p:nvPr>
+        </p:nvSpPr>
+        <p:spPr/>
+        <p:txBody>
+          <a:bodyPr/>
+          <a:lstStyle/>
+          <a:p>
+            <a:endParaRPr lang="en-US"/>
+          </a:p>
+        </p:txBody>
+      </p:sp>
+      <p:sp>
+        <p:nvSpPr>
+          <p:cNvPr id="3" name="Text Placeholder 2">
+            <a:extLst>
+              <a:ext uri="{FF2B5EF4-FFF2-40B4-BE49-F238E27FC236}">
+                <a16:creationId xmlns:a16="http://schemas.microsoft.com/office/drawing/2014/main" id="{58A268DF-A138-45E7-95A1-B2A6C5B9F815}"/>
+              </a:ext>
+            </a:extLst>
+          </p:cNvPr>
+          <p:cNvSpPr>
+            <a:spLocks noGrp="1"/>
+          </p:cNvSpPr>
+          <p:nvPr>
+            <p:ph type="body" idx="1"/>
+          </p:nvPr>
+        </p:nvSpPr>
+        <p:spPr/>
+        <p:txBody>
+          <a:bodyPr/>
+          <a:lstStyle/>
+          <a:p>
+            <a:endParaRPr lang="en-US"/>
+          </a:p>
+        </p:txBody>
+      </p:sp>
+      <p:pic>
+        <p:nvPicPr>
+          <p:cNvPr id="4" name="Picture 3">
+            <a:extLst>
+              <a:ext uri="{FF2B5EF4-FFF2-40B4-BE49-F238E27FC236}">
+                <a16:creationId xmlns:a16="http://schemas.microsoft.com/office/drawing/2014/main" id="{7767BCC4-3D59-42AD-A688-99E99612AC17}"/>
+              </a:ext>
+            </a:extLst>
+          </p:cNvPr>
+          <p:cNvPicPr>
+            <a:picLocks noChangeAspect="1"/>
+          </p:cNvPicPr>
+          <p:nvPr/>
+        </p:nvPicPr>
+        <p:blipFill>
+          <a:blip r:embed="rId2"/>
+          <a:stretch>
+            <a:fillRect/>
+          </a:stretch>
+        </p:blipFill>
+        <p:spPr>
+          <a:xfrm>
+            <a:off x="0" y="1673"/>
+            <a:ext cx="12192000" cy="6854653"/>
+          </a:xfrm>
+          <a:prstGeom prst="rect">
+            <a:avLst/>
+          </a:prstGeom>
+        </p:spPr>
+      </p:pic>
+    </p:spTree>
+    <p:extLst>
+      <p:ext uri="{BB962C8B-B14F-4D97-AF65-F5344CB8AC3E}">
+        <p14:creationId xmlns:p14="http://schemas.microsoft.com/office/powerpoint/2010/main" val="3623402594"/>
+      </p:ext>
+    </p:extLst>
+  </p:cSld>
+  <p:clrMapOvr>
+    <a:masterClrMapping/>
+  </p:clrMapOvr>
+</p:sld>
+</file>
+
+<file path=ppt/slides/slide54.xml><?xml version="1.0" encoding="utf-8"?>
+<p:sld xmlns:a="http://schemas.openxmlformats.org/drawingml/2006/main" xmlns:r="http://schemas.openxmlformats.org/officeDocument/2006/relationships" xmlns:p="http://schemas.openxmlformats.org/presentationml/2006/main">
+  <p:cSld>
+    <p:spTree>
+      <p:nvGrpSpPr>
+        <p:cNvPr id="1" name=""/>
+        <p:cNvGrpSpPr/>
+        <p:nvPr/>
+      </p:nvGrpSpPr>
+      <p:grpSpPr>
+        <a:xfrm>
+          <a:off x="0" y="0"/>
+          <a:ext cx="0" cy="0"/>
+          <a:chOff x="0" y="0"/>
+          <a:chExt cx="0" cy="0"/>
+        </a:xfrm>
+      </p:grpSpPr>
+      <p:sp>
+        <p:nvSpPr>
+          <p:cNvPr id="2" name="Title 1">
+            <a:extLst>
+              <a:ext uri="{FF2B5EF4-FFF2-40B4-BE49-F238E27FC236}">
+                <a16:creationId xmlns:a16="http://schemas.microsoft.com/office/drawing/2014/main" id="{D75F9685-D9BD-42E1-97DA-EF4604F8625B}"/>
+              </a:ext>
+            </a:extLst>
+          </p:cNvPr>
+          <p:cNvSpPr>
+            <a:spLocks noGrp="1"/>
+          </p:cNvSpPr>
+          <p:nvPr>
+            <p:ph type="title"/>
+          </p:nvPr>
+        </p:nvSpPr>
+        <p:spPr/>
+        <p:txBody>
+          <a:bodyPr/>
+          <a:lstStyle/>
+          <a:p>
+            <a:endParaRPr lang="en-US"/>
+          </a:p>
+        </p:txBody>
+      </p:sp>
+      <p:sp>
+        <p:nvSpPr>
+          <p:cNvPr id="3" name="Text Placeholder 2">
+            <a:extLst>
+              <a:ext uri="{FF2B5EF4-FFF2-40B4-BE49-F238E27FC236}">
+                <a16:creationId xmlns:a16="http://schemas.microsoft.com/office/drawing/2014/main" id="{1472BFE4-378C-4B57-8561-1443E1E472AE}"/>
+              </a:ext>
+            </a:extLst>
+          </p:cNvPr>
+          <p:cNvSpPr>
+            <a:spLocks noGrp="1"/>
+          </p:cNvSpPr>
+          <p:nvPr>
+            <p:ph type="body" idx="1"/>
+          </p:nvPr>
+        </p:nvSpPr>
+        <p:spPr/>
+        <p:txBody>
+          <a:bodyPr/>
+          <a:lstStyle/>
+          <a:p>
+            <a:endParaRPr lang="en-US"/>
+          </a:p>
+        </p:txBody>
+      </p:sp>
+      <p:pic>
+        <p:nvPicPr>
+          <p:cNvPr id="4" name="Picture 3">
+            <a:extLst>
+              <a:ext uri="{FF2B5EF4-FFF2-40B4-BE49-F238E27FC236}">
+                <a16:creationId xmlns:a16="http://schemas.microsoft.com/office/drawing/2014/main" id="{03ACDED3-41A2-40E3-A753-E9D2A20CBAE7}"/>
+              </a:ext>
+            </a:extLst>
+          </p:cNvPr>
+          <p:cNvPicPr>
+            <a:picLocks noChangeAspect="1"/>
+          </p:cNvPicPr>
+          <p:nvPr/>
+        </p:nvPicPr>
+        <p:blipFill>
+          <a:blip r:embed="rId2"/>
+          <a:stretch>
+            <a:fillRect/>
+          </a:stretch>
+        </p:blipFill>
+        <p:spPr>
+          <a:xfrm>
+            <a:off x="0" y="1673"/>
+            <a:ext cx="12192000" cy="6854653"/>
+          </a:xfrm>
+          <a:prstGeom prst="rect">
+            <a:avLst/>
+          </a:prstGeom>
+        </p:spPr>
+      </p:pic>
+    </p:spTree>
+    <p:extLst>
+      <p:ext uri="{BB962C8B-B14F-4D97-AF65-F5344CB8AC3E}">
+        <p14:creationId xmlns:p14="http://schemas.microsoft.com/office/powerpoint/2010/main" val="3626872079"/>
+      </p:ext>
+    </p:extLst>
+  </p:cSld>
+  <p:clrMapOvr>
+    <a:masterClrMapping/>
+  </p:clrMapOvr>
+</p:sld>
+</file>
+
+<file path=ppt/slides/slide55.xml><?xml version="1.0" encoding="utf-8"?>
+<p:sld xmlns:a="http://schemas.openxmlformats.org/drawingml/2006/main" xmlns:r="http://schemas.openxmlformats.org/officeDocument/2006/relationships" xmlns:p="http://schemas.openxmlformats.org/presentationml/2006/main">
+  <p:cSld>
+    <p:spTree>
+      <p:nvGrpSpPr>
+        <p:cNvPr id="1" name=""/>
+        <p:cNvGrpSpPr/>
+        <p:nvPr/>
+      </p:nvGrpSpPr>
+      <p:grpSpPr>
+        <a:xfrm>
+          <a:off x="0" y="0"/>
+          <a:ext cx="0" cy="0"/>
+          <a:chOff x="0" y="0"/>
+          <a:chExt cx="0" cy="0"/>
+        </a:xfrm>
+      </p:grpSpPr>
+      <p:sp>
+        <p:nvSpPr>
+          <p:cNvPr id="2" name="Title 1">
+            <a:extLst>
+              <a:ext uri="{FF2B5EF4-FFF2-40B4-BE49-F238E27FC236}">
+                <a16:creationId xmlns:a16="http://schemas.microsoft.com/office/drawing/2014/main" id="{4D6EE4EC-9AEC-41FD-ADCB-1FE457DAEEF4}"/>
+              </a:ext>
+            </a:extLst>
+          </p:cNvPr>
+          <p:cNvSpPr>
+            <a:spLocks noGrp="1"/>
+          </p:cNvSpPr>
+          <p:nvPr>
+            <p:ph type="title"/>
+          </p:nvPr>
+        </p:nvSpPr>
+        <p:spPr/>
+        <p:txBody>
+          <a:bodyPr/>
+          <a:lstStyle/>
+          <a:p>
+            <a:endParaRPr lang="en-US"/>
+          </a:p>
+        </p:txBody>
+      </p:sp>
+      <p:sp>
+        <p:nvSpPr>
+          <p:cNvPr id="3" name="Text Placeholder 2">
+            <a:extLst>
+              <a:ext uri="{FF2B5EF4-FFF2-40B4-BE49-F238E27FC236}">
+                <a16:creationId xmlns:a16="http://schemas.microsoft.com/office/drawing/2014/main" id="{CD6A271C-3AC5-497E-9BB3-F74162A13132}"/>
+              </a:ext>
+            </a:extLst>
+          </p:cNvPr>
+          <p:cNvSpPr>
+            <a:spLocks noGrp="1"/>
+          </p:cNvSpPr>
+          <p:nvPr>
+            <p:ph type="body" idx="1"/>
+          </p:nvPr>
+        </p:nvSpPr>
+        <p:spPr/>
+        <p:txBody>
+          <a:bodyPr/>
+          <a:lstStyle/>
+          <a:p>
+            <a:endParaRPr lang="en-US"/>
+          </a:p>
+        </p:txBody>
+      </p:sp>
+      <p:pic>
+        <p:nvPicPr>
+          <p:cNvPr id="4" name="Picture 3">
+            <a:extLst>
+              <a:ext uri="{FF2B5EF4-FFF2-40B4-BE49-F238E27FC236}">
+                <a16:creationId xmlns:a16="http://schemas.microsoft.com/office/drawing/2014/main" id="{12306FB4-6777-40F9-A108-B46BF8E189E1}"/>
+              </a:ext>
+            </a:extLst>
+          </p:cNvPr>
+          <p:cNvPicPr>
+            <a:picLocks noChangeAspect="1"/>
+          </p:cNvPicPr>
+          <p:nvPr/>
+        </p:nvPicPr>
+        <p:blipFill>
+          <a:blip r:embed="rId2"/>
+          <a:stretch>
+            <a:fillRect/>
+          </a:stretch>
+        </p:blipFill>
+        <p:spPr>
+          <a:xfrm>
+            <a:off x="0" y="1673"/>
+            <a:ext cx="12192000" cy="6854653"/>
+          </a:xfrm>
+          <a:prstGeom prst="rect">
+            <a:avLst/>
+          </a:prstGeom>
+        </p:spPr>
+      </p:pic>
+    </p:spTree>
+    <p:extLst>
+      <p:ext uri="{BB962C8B-B14F-4D97-AF65-F5344CB8AC3E}">
+        <p14:creationId xmlns:p14="http://schemas.microsoft.com/office/powerpoint/2010/main" val="3076739346"/>
+      </p:ext>
+    </p:extLst>
+  </p:cSld>
+  <p:clrMapOvr>
+    <a:masterClrMapping/>
+  </p:clrMapOvr>
+</p:sld>
+</file>
+
+<file path=ppt/slides/slide56.xml><?xml version="1.0" encoding="utf-8"?>
+<p:sld xmlns:a="http://schemas.openxmlformats.org/drawingml/2006/main" xmlns:r="http://schemas.openxmlformats.org/officeDocument/2006/relationships" xmlns:p="http://schemas.openxmlformats.org/presentationml/2006/main">
+  <p:cSld>
+    <p:spTree>
+      <p:nvGrpSpPr>
+        <p:cNvPr id="1" name=""/>
+        <p:cNvGrpSpPr/>
+        <p:nvPr/>
+      </p:nvGrpSpPr>
+      <p:grpSpPr>
+        <a:xfrm>
+          <a:off x="0" y="0"/>
+          <a:ext cx="0" cy="0"/>
+          <a:chOff x="0" y="0"/>
+          <a:chExt cx="0" cy="0"/>
+        </a:xfrm>
+      </p:grpSpPr>
+      <p:sp>
+        <p:nvSpPr>
+          <p:cNvPr id="2" name="Title 1">
+            <a:extLst>
+              <a:ext uri="{FF2B5EF4-FFF2-40B4-BE49-F238E27FC236}">
+                <a16:creationId xmlns:a16="http://schemas.microsoft.com/office/drawing/2014/main" id="{6E252175-479B-499D-8B05-C01670E34220}"/>
+              </a:ext>
+            </a:extLst>
+          </p:cNvPr>
+          <p:cNvSpPr>
+            <a:spLocks noGrp="1"/>
+          </p:cNvSpPr>
+          <p:nvPr>
+            <p:ph type="title"/>
+          </p:nvPr>
+        </p:nvSpPr>
+        <p:spPr/>
+        <p:txBody>
+          <a:bodyPr/>
+          <a:lstStyle/>
+          <a:p>
+            <a:endParaRPr lang="en-US"/>
+          </a:p>
+        </p:txBody>
+      </p:sp>
+      <p:sp>
+        <p:nvSpPr>
+          <p:cNvPr id="3" name="Text Placeholder 2">
+            <a:extLst>
+              <a:ext uri="{FF2B5EF4-FFF2-40B4-BE49-F238E27FC236}">
+                <a16:creationId xmlns:a16="http://schemas.microsoft.com/office/drawing/2014/main" id="{36D1F2A7-0B3A-41E7-BF2A-F238A1C9FFB4}"/>
+              </a:ext>
+            </a:extLst>
+          </p:cNvPr>
+          <p:cNvSpPr>
+            <a:spLocks noGrp="1"/>
+          </p:cNvSpPr>
+          <p:nvPr>
+            <p:ph type="body" idx="1"/>
+          </p:nvPr>
+        </p:nvSpPr>
+        <p:spPr/>
+        <p:txBody>
+          <a:bodyPr/>
+          <a:lstStyle/>
+          <a:p>
+            <a:endParaRPr lang="en-US"/>
+          </a:p>
+        </p:txBody>
+      </p:sp>
+      <p:pic>
+        <p:nvPicPr>
+          <p:cNvPr id="4" name="Picture 3">
+            <a:extLst>
+              <a:ext uri="{FF2B5EF4-FFF2-40B4-BE49-F238E27FC236}">
+                <a16:creationId xmlns:a16="http://schemas.microsoft.com/office/drawing/2014/main" id="{5983F4A8-6BDD-4F68-B111-50AED61743BF}"/>
+              </a:ext>
+            </a:extLst>
+          </p:cNvPr>
+          <p:cNvPicPr>
+            <a:picLocks noChangeAspect="1"/>
+          </p:cNvPicPr>
+          <p:nvPr/>
+        </p:nvPicPr>
+        <p:blipFill>
+          <a:blip r:embed="rId2"/>
+          <a:stretch>
+            <a:fillRect/>
+          </a:stretch>
+        </p:blipFill>
+        <p:spPr>
+          <a:xfrm>
+            <a:off x="0" y="1673"/>
+            <a:ext cx="12192000" cy="6854653"/>
+          </a:xfrm>
+          <a:prstGeom prst="rect">
+            <a:avLst/>
+          </a:prstGeom>
+        </p:spPr>
+      </p:pic>
+    </p:spTree>
+    <p:extLst>
+      <p:ext uri="{BB962C8B-B14F-4D97-AF65-F5344CB8AC3E}">
+        <p14:creationId xmlns:p14="http://schemas.microsoft.com/office/powerpoint/2010/main" val="3237954584"/>
+      </p:ext>
+    </p:extLst>
+  </p:cSld>
+  <p:clrMapOvr>
+    <a:masterClrMapping/>
+  </p:clrMapOvr>
+</p:sld>
+</file>
+
+<file path=ppt/slides/slide57.xml><?xml version="1.0" encoding="utf-8"?>
+<p:sld xmlns:a="http://schemas.openxmlformats.org/drawingml/2006/main" xmlns:r="http://schemas.openxmlformats.org/officeDocument/2006/relationships" xmlns:p="http://schemas.openxmlformats.org/presentationml/2006/main">
+  <p:cSld>
+    <p:spTree>
+      <p:nvGrpSpPr>
+        <p:cNvPr id="1" name=""/>
+        <p:cNvGrpSpPr/>
+        <p:nvPr/>
+      </p:nvGrpSpPr>
+      <p:grpSpPr>
+        <a:xfrm>
+          <a:off x="0" y="0"/>
+          <a:ext cx="0" cy="0"/>
+          <a:chOff x="0" y="0"/>
+          <a:chExt cx="0" cy="0"/>
+        </a:xfrm>
+      </p:grpSpPr>
+      <p:sp>
+        <p:nvSpPr>
+          <p:cNvPr id="2" name="Title 1">
+            <a:extLst>
+              <a:ext uri="{FF2B5EF4-FFF2-40B4-BE49-F238E27FC236}">
+                <a16:creationId xmlns:a16="http://schemas.microsoft.com/office/drawing/2014/main" id="{BAADADE3-B93C-4F91-A39B-895C8B61E230}"/>
+              </a:ext>
+            </a:extLst>
+          </p:cNvPr>
+          <p:cNvSpPr>
+            <a:spLocks noGrp="1"/>
+          </p:cNvSpPr>
+          <p:nvPr>
+            <p:ph type="title"/>
+          </p:nvPr>
+        </p:nvSpPr>
+        <p:spPr/>
+        <p:txBody>
+          <a:bodyPr/>
+          <a:lstStyle/>
+          <a:p>
+            <a:endParaRPr lang="en-US"/>
+          </a:p>
+        </p:txBody>
+      </p:sp>
+      <p:sp>
+        <p:nvSpPr>
+          <p:cNvPr id="3" name="Text Placeholder 2">
+            <a:extLst>
+              <a:ext uri="{FF2B5EF4-FFF2-40B4-BE49-F238E27FC236}">
+                <a16:creationId xmlns:a16="http://schemas.microsoft.com/office/drawing/2014/main" id="{47426D44-1F76-49DA-93C5-0B75385B8DC5}"/>
+              </a:ext>
+            </a:extLst>
+          </p:cNvPr>
+          <p:cNvSpPr>
+            <a:spLocks noGrp="1"/>
+          </p:cNvSpPr>
+          <p:nvPr>
+            <p:ph type="body" idx="1"/>
+          </p:nvPr>
+        </p:nvSpPr>
+        <p:spPr/>
+        <p:txBody>
+          <a:bodyPr/>
+          <a:lstStyle/>
+          <a:p>
+            <a:endParaRPr lang="en-US"/>
+          </a:p>
+        </p:txBody>
+      </p:sp>
+      <p:pic>
+        <p:nvPicPr>
+          <p:cNvPr id="4" name="Picture 3">
+            <a:extLst>
+              <a:ext uri="{FF2B5EF4-FFF2-40B4-BE49-F238E27FC236}">
+                <a16:creationId xmlns:a16="http://schemas.microsoft.com/office/drawing/2014/main" id="{AAC151A5-5B13-4C77-B0BD-FE4D3C5BD951}"/>
+              </a:ext>
+            </a:extLst>
+          </p:cNvPr>
+          <p:cNvPicPr>
+            <a:picLocks noChangeAspect="1"/>
+          </p:cNvPicPr>
+          <p:nvPr/>
+        </p:nvPicPr>
+        <p:blipFill>
+          <a:blip r:embed="rId2"/>
+          <a:stretch>
+            <a:fillRect/>
+          </a:stretch>
+        </p:blipFill>
+        <p:spPr>
+          <a:xfrm>
+            <a:off x="0" y="1673"/>
+            <a:ext cx="12192000" cy="6854653"/>
+          </a:xfrm>
+          <a:prstGeom prst="rect">
+            <a:avLst/>
+          </a:prstGeom>
+        </p:spPr>
+      </p:pic>
+    </p:spTree>
+    <p:extLst>
+      <p:ext uri="{BB962C8B-B14F-4D97-AF65-F5344CB8AC3E}">
+        <p14:creationId xmlns:p14="http://schemas.microsoft.com/office/powerpoint/2010/main" val="2603391283"/>
+      </p:ext>
+    </p:extLst>
+  </p:cSld>
+  <p:clrMapOvr>
+    <a:masterClrMapping/>
+  </p:clrMapOvr>
+</p:sld>
+</file>
+
+<file path=ppt/slides/slide58.xml><?xml version="1.0" encoding="utf-8"?>
+<p:sld xmlns:a="http://schemas.openxmlformats.org/drawingml/2006/main" xmlns:r="http://schemas.openxmlformats.org/officeDocument/2006/relationships" xmlns:p="http://schemas.openxmlformats.org/presentationml/2006/main">
+  <p:cSld>
+    <p:spTree>
+      <p:nvGrpSpPr>
+        <p:cNvPr id="1" name=""/>
+        <p:cNvGrpSpPr/>
+        <p:nvPr/>
+      </p:nvGrpSpPr>
+      <p:grpSpPr>
+        <a:xfrm>
+          <a:off x="0" y="0"/>
+          <a:ext cx="0" cy="0"/>
+          <a:chOff x="0" y="0"/>
+          <a:chExt cx="0" cy="0"/>
+        </a:xfrm>
+      </p:grpSpPr>
+      <p:sp>
+        <p:nvSpPr>
+          <p:cNvPr id="4" name="Title 3">
+            <a:extLst>
+              <a:ext uri="{FF2B5EF4-FFF2-40B4-BE49-F238E27FC236}">
+                <a16:creationId xmlns:a16="http://schemas.microsoft.com/office/drawing/2014/main" id="{CB3C5E69-EE78-4036-B8E7-7CAE7C33D9A4}"/>
+              </a:ext>
+            </a:extLst>
+          </p:cNvPr>
+          <p:cNvSpPr>
+            <a:spLocks noGrp="1"/>
+          </p:cNvSpPr>
+          <p:nvPr>
+            <p:ph type="title"/>
+          </p:nvPr>
+        </p:nvSpPr>
+        <p:spPr/>
+        <p:txBody>
+          <a:bodyPr/>
+          <a:lstStyle/>
+          <a:p>
+            <a:endParaRPr lang="en-US"/>
+          </a:p>
+        </p:txBody>
+      </p:sp>
+      <p:pic>
+        <p:nvPicPr>
+          <p:cNvPr id="5" name="Picture 4">
+            <a:extLst>
+              <a:ext uri="{FF2B5EF4-FFF2-40B4-BE49-F238E27FC236}">
+                <a16:creationId xmlns:a16="http://schemas.microsoft.com/office/drawing/2014/main" id="{02E0B792-6CC5-4849-BAD2-5928CE839855}"/>
+              </a:ext>
+            </a:extLst>
+          </p:cNvPr>
+          <p:cNvPicPr>
+            <a:picLocks noChangeAspect="1"/>
+          </p:cNvPicPr>
+          <p:nvPr/>
+        </p:nvPicPr>
+        <p:blipFill>
+          <a:blip r:embed="rId2"/>
+          <a:stretch>
+            <a:fillRect/>
+          </a:stretch>
+        </p:blipFill>
+        <p:spPr>
+          <a:xfrm>
+            <a:off x="0" y="1673"/>
+            <a:ext cx="12192000" cy="6854653"/>
+          </a:xfrm>
+          <a:prstGeom prst="rect">
+            <a:avLst/>
+          </a:prstGeom>
+        </p:spPr>
+      </p:pic>
+    </p:spTree>
+    <p:extLst>
+      <p:ext uri="{BB962C8B-B14F-4D97-AF65-F5344CB8AC3E}">
+        <p14:creationId xmlns:p14="http://schemas.microsoft.com/office/powerpoint/2010/main" val="1724142575"/>
+      </p:ext>
+    </p:extLst>
+  </p:cSld>
+  <p:clrMapOvr>
+    <a:masterClrMapping/>
+  </p:clrMapOvr>
+</p:sld>
+</file>
+
+<file path=ppt/slides/slide59.xml><?xml version="1.0" encoding="utf-8"?>
+<p:sld xmlns:a="http://schemas.openxmlformats.org/drawingml/2006/main" xmlns:r="http://schemas.openxmlformats.org/officeDocument/2006/relationships" xmlns:p="http://schemas.openxmlformats.org/presentationml/2006/main">
+  <p:cSld>
+    <p:spTree>
+      <p:nvGrpSpPr>
+        <p:cNvPr id="1" name=""/>
+        <p:cNvGrpSpPr/>
+        <p:nvPr/>
+      </p:nvGrpSpPr>
+      <p:grpSpPr>
+        <a:xfrm>
+          <a:off x="0" y="0"/>
+          <a:ext cx="0" cy="0"/>
+          <a:chOff x="0" y="0"/>
+          <a:chExt cx="0" cy="0"/>
+        </a:xfrm>
+      </p:grpSpPr>
+      <p:sp>
+        <p:nvSpPr>
+          <p:cNvPr id="2" name="Title 1">
+            <a:extLst>
+              <a:ext uri="{FF2B5EF4-FFF2-40B4-BE49-F238E27FC236}">
+                <a16:creationId xmlns:a16="http://schemas.microsoft.com/office/drawing/2014/main" id="{FF5D4121-6D5B-4A38-9CFE-145D458F7B7F}"/>
+              </a:ext>
+            </a:extLst>
+          </p:cNvPr>
+          <p:cNvSpPr>
+            <a:spLocks noGrp="1"/>
+          </p:cNvSpPr>
+          <p:nvPr>
+            <p:ph type="title"/>
+          </p:nvPr>
+        </p:nvSpPr>
+        <p:spPr/>
+        <p:txBody>
+          <a:bodyPr/>
+          <a:lstStyle/>
+          <a:p>
+            <a:r>
+              <a:rPr lang="en-US"/>
+              <a:t>Gower Distance</a:t>
+            </a:r>
+            <a:endParaRPr lang="en-US" dirty="0"/>
+          </a:p>
+        </p:txBody>
+      </p:sp>
+      <p:sp>
+        <p:nvSpPr>
+          <p:cNvPr id="3" name="Rectangle 2">
+            <a:extLst>
+              <a:ext uri="{FF2B5EF4-FFF2-40B4-BE49-F238E27FC236}">
+                <a16:creationId xmlns:a16="http://schemas.microsoft.com/office/drawing/2014/main" id="{E141632B-6855-428F-850D-83A8D731C2DA}"/>
+              </a:ext>
+            </a:extLst>
+          </p:cNvPr>
+          <p:cNvSpPr/>
+          <p:nvPr/>
+        </p:nvSpPr>
+        <p:spPr>
+          <a:xfrm>
+            <a:off x="3047999" y="3105835"/>
+            <a:ext cx="7298267" cy="646331"/>
+          </a:xfrm>
+          <a:prstGeom prst="rect">
+            <a:avLst/>
+          </a:prstGeom>
+        </p:spPr>
+        <p:txBody>
+          <a:bodyPr wrap="square">
+            <a:spAutoFit/>
+          </a:bodyPr>
+          <a:lstStyle/>
+          <a:p>
+            <a:r>
+              <a:rPr lang="en-US" dirty="0">
+                <a:hlinkClick r:id="rId2"/>
+              </a:rPr>
+              <a:t>https://www.thinkdatascience.com/post/2019-12-16-introducing-python-package-gower/</a:t>
+            </a:r>
+            <a:endParaRPr lang="en-US" dirty="0"/>
+          </a:p>
+        </p:txBody>
+      </p:sp>
+    </p:spTree>
+    <p:extLst>
+      <p:ext uri="{BB962C8B-B14F-4D97-AF65-F5344CB8AC3E}">
+        <p14:creationId xmlns:p14="http://schemas.microsoft.com/office/powerpoint/2010/main" val="3543181231"/>
       </p:ext>
     </p:extLst>
   </p:cSld>
@@ -42753,6 +43909,111 @@
     <p:extLst>
       <p:ext uri="{BB962C8B-B14F-4D97-AF65-F5344CB8AC3E}">
         <p14:creationId xmlns:p14="http://schemas.microsoft.com/office/powerpoint/2010/main" val="332687146"/>
+      </p:ext>
+    </p:extLst>
+  </p:cSld>
+  <p:clrMapOvr>
+    <a:masterClrMapping/>
+  </p:clrMapOvr>
+</p:sld>
+</file>
+
+<file path=ppt/slides/slide60.xml><?xml version="1.0" encoding="utf-8"?>
+<p:sld xmlns:a="http://schemas.openxmlformats.org/drawingml/2006/main" xmlns:r="http://schemas.openxmlformats.org/officeDocument/2006/relationships" xmlns:p="http://schemas.openxmlformats.org/presentationml/2006/main">
+  <p:cSld>
+    <p:spTree>
+      <p:nvGrpSpPr>
+        <p:cNvPr id="1" name=""/>
+        <p:cNvGrpSpPr/>
+        <p:nvPr/>
+      </p:nvGrpSpPr>
+      <p:grpSpPr>
+        <a:xfrm>
+          <a:off x="0" y="0"/>
+          <a:ext cx="0" cy="0"/>
+          <a:chOff x="0" y="0"/>
+          <a:chExt cx="0" cy="0"/>
+        </a:xfrm>
+      </p:grpSpPr>
+      <p:sp>
+        <p:nvSpPr>
+          <p:cNvPr id="2" name="Title 1">
+            <a:extLst>
+              <a:ext uri="{FF2B5EF4-FFF2-40B4-BE49-F238E27FC236}">
+                <a16:creationId xmlns:a16="http://schemas.microsoft.com/office/drawing/2014/main" id="{E945B085-65EF-4483-AE7E-F29C4461EE46}"/>
+              </a:ext>
+            </a:extLst>
+          </p:cNvPr>
+          <p:cNvSpPr>
+            <a:spLocks noGrp="1"/>
+          </p:cNvSpPr>
+          <p:nvPr>
+            <p:ph type="title"/>
+          </p:nvPr>
+        </p:nvSpPr>
+        <p:spPr/>
+        <p:txBody>
+          <a:bodyPr/>
+          <a:lstStyle/>
+          <a:p>
+            <a:r>
+              <a:rPr lang="en-US" dirty="0"/>
+              <a:t>Hierarchical Clustering</a:t>
+            </a:r>
+          </a:p>
+        </p:txBody>
+      </p:sp>
+      <p:pic>
+        <p:nvPicPr>
+          <p:cNvPr id="1026" name="Picture 2" descr="Hierarhical Clustering with Dendrogram">
+            <a:extLst>
+              <a:ext uri="{FF2B5EF4-FFF2-40B4-BE49-F238E27FC236}">
+                <a16:creationId xmlns:a16="http://schemas.microsoft.com/office/drawing/2014/main" id="{05688442-17C7-4E99-A4BC-69A178EDA25E}"/>
+              </a:ext>
+            </a:extLst>
+          </p:cNvPr>
+          <p:cNvPicPr>
+            <a:picLocks noChangeAspect="1" noChangeArrowheads="1" noCrop="1"/>
+          </p:cNvPicPr>
+          <p:nvPr/>
+        </p:nvPicPr>
+        <p:blipFill>
+          <a:blip r:embed="rId2">
+            <a:extLst>
+              <a:ext uri="{28A0092B-C50C-407E-A947-70E740481C1C}">
+                <a14:useLocalDpi xmlns:a14="http://schemas.microsoft.com/office/drawing/2010/main" val="0"/>
+              </a:ext>
+            </a:extLst>
+          </a:blip>
+          <a:srcRect/>
+          <a:stretch>
+            <a:fillRect/>
+          </a:stretch>
+        </p:blipFill>
+        <p:spPr bwMode="auto">
+          <a:xfrm>
+            <a:off x="18816" y="1388534"/>
+            <a:ext cx="12154368" cy="5469466"/>
+          </a:xfrm>
+          <a:prstGeom prst="rect">
+            <a:avLst/>
+          </a:prstGeom>
+          <a:noFill/>
+          <a:extLst>
+            <a:ext uri="{909E8E84-426E-40DD-AFC4-6F175D3DCCD1}">
+              <a14:hiddenFill xmlns:a14="http://schemas.microsoft.com/office/drawing/2010/main">
+                <a:solidFill>
+                  <a:srgbClr val="FFFFFF"/>
+                </a:solidFill>
+              </a14:hiddenFill>
+            </a:ext>
+          </a:extLst>
+        </p:spPr>
+      </p:pic>
+    </p:spTree>
+    <p:extLst>
+      <p:ext uri="{BB962C8B-B14F-4D97-AF65-F5344CB8AC3E}">
+        <p14:creationId xmlns:p14="http://schemas.microsoft.com/office/powerpoint/2010/main" val="4283618062"/>
       </p:ext>
     </p:extLst>
   </p:cSld>

--- a/slides/06_ML_Clustering.pptx
+++ b/slides/06_ML_Clustering.pptx
@@ -5,7 +5,7 @@
     <p:sldMasterId id="2147483648" r:id="rId1"/>
   </p:sldMasterIdLst>
   <p:notesMasterIdLst>
-    <p:notesMasterId r:id="rId62"/>
+    <p:notesMasterId r:id="rId64"/>
   </p:notesMasterIdLst>
   <p:sldIdLst>
     <p:sldId id="281" r:id="rId2"/>
@@ -68,6 +68,8 @@
     <p:sldId id="329" r:id="rId59"/>
     <p:sldId id="334" r:id="rId60"/>
     <p:sldId id="322" r:id="rId61"/>
+    <p:sldId id="335" r:id="rId62"/>
+    <p:sldId id="336" r:id="rId63"/>
   </p:sldIdLst>
   <p:sldSz cx="12192000" cy="6858000"/>
   <p:notesSz cx="6858000" cy="9144000"/>
@@ -256,7 +258,7 @@
           <a:p>
             <a:fld id="{7B6EC019-8BE9-4716-A045-AB4F46EC50AD}" type="datetimeFigureOut">
               <a:rPr lang="en-US" smtClean="0"/>
-              <a:t>4/28/2020</a:t>
+              <a:t>6/6/2020</a:t>
             </a:fld>
             <a:endParaRPr lang="en-US"/>
           </a:p>
@@ -5011,7 +5013,7 @@
           <a:p>
             <a:fld id="{5F6D1571-7249-4A7C-B463-A862308C856B}" type="datetimeFigureOut">
               <a:rPr lang="en-US" smtClean="0"/>
-              <a:t>4/28/2020</a:t>
+              <a:t>6/6/2020</a:t>
             </a:fld>
             <a:endParaRPr lang="en-US"/>
           </a:p>
@@ -5209,7 +5211,7 @@
           <a:p>
             <a:fld id="{5F6D1571-7249-4A7C-B463-A862308C856B}" type="datetimeFigureOut">
               <a:rPr lang="en-US" smtClean="0"/>
-              <a:t>4/28/2020</a:t>
+              <a:t>6/6/2020</a:t>
             </a:fld>
             <a:endParaRPr lang="en-US"/>
           </a:p>
@@ -5417,7 +5419,7 @@
           <a:p>
             <a:fld id="{5F6D1571-7249-4A7C-B463-A862308C856B}" type="datetimeFigureOut">
               <a:rPr lang="en-US" smtClean="0"/>
-              <a:t>4/28/2020</a:t>
+              <a:t>6/6/2020</a:t>
             </a:fld>
             <a:endParaRPr lang="en-US"/>
           </a:p>
@@ -5615,7 +5617,7 @@
           <a:p>
             <a:fld id="{5F6D1571-7249-4A7C-B463-A862308C856B}" type="datetimeFigureOut">
               <a:rPr lang="en-US" smtClean="0"/>
-              <a:t>4/28/2020</a:t>
+              <a:t>6/6/2020</a:t>
             </a:fld>
             <a:endParaRPr lang="en-US"/>
           </a:p>
@@ -5890,7 +5892,7 @@
           <a:p>
             <a:fld id="{5F6D1571-7249-4A7C-B463-A862308C856B}" type="datetimeFigureOut">
               <a:rPr lang="en-US" smtClean="0"/>
-              <a:t>4/28/2020</a:t>
+              <a:t>6/6/2020</a:t>
             </a:fld>
             <a:endParaRPr lang="en-US"/>
           </a:p>
@@ -6155,7 +6157,7 @@
           <a:p>
             <a:fld id="{5F6D1571-7249-4A7C-B463-A862308C856B}" type="datetimeFigureOut">
               <a:rPr lang="en-US" smtClean="0"/>
-              <a:t>4/28/2020</a:t>
+              <a:t>6/6/2020</a:t>
             </a:fld>
             <a:endParaRPr lang="en-US"/>
           </a:p>
@@ -6567,7 +6569,7 @@
           <a:p>
             <a:fld id="{5F6D1571-7249-4A7C-B463-A862308C856B}" type="datetimeFigureOut">
               <a:rPr lang="en-US" smtClean="0"/>
-              <a:t>4/28/2020</a:t>
+              <a:t>6/6/2020</a:t>
             </a:fld>
             <a:endParaRPr lang="en-US"/>
           </a:p>
@@ -6708,7 +6710,7 @@
           <a:p>
             <a:fld id="{5F6D1571-7249-4A7C-B463-A862308C856B}" type="datetimeFigureOut">
               <a:rPr lang="en-US" smtClean="0"/>
-              <a:t>4/28/2020</a:t>
+              <a:t>6/6/2020</a:t>
             </a:fld>
             <a:endParaRPr lang="en-US"/>
           </a:p>
@@ -6821,7 +6823,7 @@
           <a:p>
             <a:fld id="{5F6D1571-7249-4A7C-B463-A862308C856B}" type="datetimeFigureOut">
               <a:rPr lang="en-US" smtClean="0"/>
-              <a:t>4/28/2020</a:t>
+              <a:t>6/6/2020</a:t>
             </a:fld>
             <a:endParaRPr lang="en-US"/>
           </a:p>
@@ -7132,7 +7134,7 @@
           <a:p>
             <a:fld id="{5F6D1571-7249-4A7C-B463-A862308C856B}" type="datetimeFigureOut">
               <a:rPr lang="en-US" smtClean="0"/>
-              <a:t>4/28/2020</a:t>
+              <a:t>6/6/2020</a:t>
             </a:fld>
             <a:endParaRPr lang="en-US"/>
           </a:p>
@@ -7420,7 +7422,7 @@
           <a:p>
             <a:fld id="{5F6D1571-7249-4A7C-B463-A862308C856B}" type="datetimeFigureOut">
               <a:rPr lang="en-US" smtClean="0"/>
-              <a:t>4/28/2020</a:t>
+              <a:t>6/6/2020</a:t>
             </a:fld>
             <a:endParaRPr lang="en-US"/>
           </a:p>
@@ -7661,7 +7663,7 @@
           <a:p>
             <a:fld id="{5F6D1571-7249-4A7C-B463-A862308C856B}" type="datetimeFigureOut">
               <a:rPr lang="en-US" smtClean="0"/>
-              <a:t>4/28/2020</a:t>
+              <a:t>6/6/2020</a:t>
             </a:fld>
             <a:endParaRPr lang="en-US"/>
           </a:p>
@@ -42323,6 +42325,7 @@
       <p:pic>
         <p:nvPicPr>
           <p:cNvPr id="5" name="Picture 4">
+            <a:hlinkClick r:id="rId2"/>
             <a:extLst>
               <a:ext uri="{FF2B5EF4-FFF2-40B4-BE49-F238E27FC236}">
                 <a16:creationId xmlns:a16="http://schemas.microsoft.com/office/drawing/2014/main" id="{0FF03B94-4A4A-441C-BEA4-7E1CBA2C9459}"/>
@@ -42335,7 +42338,7 @@
           <p:nvPr/>
         </p:nvPicPr>
         <p:blipFill>
-          <a:blip r:embed="rId2"/>
+          <a:blip r:embed="rId3"/>
           <a:stretch>
             <a:fillRect/>
           </a:stretch>
@@ -42350,6 +42353,115 @@
           </a:prstGeom>
         </p:spPr>
       </p:pic>
+      <p:sp>
+        <p:nvSpPr>
+          <p:cNvPr id="4" name="Oval 3">
+            <a:extLst>
+              <a:ext uri="{FF2B5EF4-FFF2-40B4-BE49-F238E27FC236}">
+                <a16:creationId xmlns:a16="http://schemas.microsoft.com/office/drawing/2014/main" id="{8005ED4A-B812-4387-B3B8-5BE48D491B28}"/>
+              </a:ext>
+            </a:extLst>
+          </p:cNvPr>
+          <p:cNvSpPr/>
+          <p:nvPr/>
+        </p:nvSpPr>
+        <p:spPr>
+          <a:xfrm>
+            <a:off x="6654800" y="254000"/>
+            <a:ext cx="2438400" cy="965200"/>
+          </a:xfrm>
+          <a:prstGeom prst="ellipse">
+            <a:avLst/>
+          </a:prstGeom>
+          <a:solidFill>
+            <a:srgbClr val="FFFF00"/>
+          </a:solidFill>
+        </p:spPr>
+        <p:style>
+          <a:lnRef idx="2">
+            <a:schemeClr val="accent1">
+              <a:shade val="50000"/>
+            </a:schemeClr>
+          </a:lnRef>
+          <a:fillRef idx="1">
+            <a:schemeClr val="accent1"/>
+          </a:fillRef>
+          <a:effectRef idx="0">
+            <a:schemeClr val="accent1"/>
+          </a:effectRef>
+          <a:fontRef idx="minor">
+            <a:schemeClr val="lt1"/>
+          </a:fontRef>
+        </p:style>
+        <p:txBody>
+          <a:bodyPr rtlCol="0" anchor="ctr"/>
+          <a:lstStyle/>
+          <a:p>
+            <a:pPr algn="ctr"/>
+            <a:r>
+              <a:rPr lang="es-419" dirty="0">
+                <a:solidFill>
+                  <a:sysClr val="windowText" lastClr="000000"/>
+                </a:solidFill>
+              </a:rPr>
+              <a:t>Todo: </a:t>
+            </a:r>
+            <a:r>
+              <a:rPr lang="es-419" dirty="0" err="1">
+                <a:solidFill>
+                  <a:sysClr val="windowText" lastClr="000000"/>
+                </a:solidFill>
+              </a:rPr>
+              <a:t>Add</a:t>
+            </a:r>
+            <a:r>
+              <a:rPr lang="es-419" dirty="0">
+                <a:solidFill>
+                  <a:sysClr val="windowText" lastClr="000000"/>
+                </a:solidFill>
+              </a:rPr>
+              <a:t> </a:t>
+            </a:r>
+            <a:r>
+              <a:rPr lang="es-419" dirty="0" err="1">
+                <a:solidFill>
+                  <a:sysClr val="windowText" lastClr="000000"/>
+                </a:solidFill>
+              </a:rPr>
+              <a:t>distance</a:t>
+            </a:r>
+            <a:r>
+              <a:rPr lang="es-419" dirty="0">
+                <a:solidFill>
+                  <a:sysClr val="windowText" lastClr="000000"/>
+                </a:solidFill>
+              </a:rPr>
+              <a:t> </a:t>
+            </a:r>
+            <a:r>
+              <a:rPr lang="es-419" dirty="0" err="1">
+                <a:solidFill>
+                  <a:sysClr val="windowText" lastClr="000000"/>
+                </a:solidFill>
+              </a:rPr>
+              <a:t>matrix</a:t>
+            </a:r>
+            <a:r>
+              <a:rPr lang="es-419" dirty="0">
+                <a:solidFill>
+                  <a:sysClr val="windowText" lastClr="000000"/>
+                </a:solidFill>
+              </a:rPr>
+              <a:t> </a:t>
+            </a:r>
+            <a:endParaRPr lang="en-US" dirty="0">
+              <a:solidFill>
+                <a:sysClr val="windowText" lastClr="000000"/>
+              </a:solidFill>
+            </a:endParaRPr>
+          </a:p>
+        </p:txBody>
+      </p:sp>
     </p:spTree>
     <p:extLst>
       <p:ext uri="{BB962C8B-B14F-4D97-AF65-F5344CB8AC3E}">
@@ -42433,6 +42545,7 @@
       <p:pic>
         <p:nvPicPr>
           <p:cNvPr id="4" name="Picture 3">
+            <a:hlinkClick r:id="rId2"/>
             <a:extLst>
               <a:ext uri="{FF2B5EF4-FFF2-40B4-BE49-F238E27FC236}">
                 <a16:creationId xmlns:a16="http://schemas.microsoft.com/office/drawing/2014/main" id="{8D0BDD74-CDCD-4E4A-B1BB-1166E679DBE4}"/>
@@ -42445,7 +42558,7 @@
           <p:nvPr/>
         </p:nvPicPr>
         <p:blipFill>
-          <a:blip r:embed="rId2"/>
+          <a:blip r:embed="rId3"/>
           <a:stretch>
             <a:fillRect/>
           </a:stretch>
@@ -42543,6 +42656,7 @@
       <p:pic>
         <p:nvPicPr>
           <p:cNvPr id="4" name="Picture 3">
+            <a:hlinkClick r:id="rId2"/>
             <a:extLst>
               <a:ext uri="{FF2B5EF4-FFF2-40B4-BE49-F238E27FC236}">
                 <a16:creationId xmlns:a16="http://schemas.microsoft.com/office/drawing/2014/main" id="{9A676554-0877-48D2-883D-2B02CFCED5F1}"/>
@@ -42555,7 +42669,7 @@
           <p:nvPr/>
         </p:nvPicPr>
         <p:blipFill>
-          <a:blip r:embed="rId2"/>
+          <a:blip r:embed="rId3"/>
           <a:stretch>
             <a:fillRect/>
           </a:stretch>
@@ -42653,6 +42767,7 @@
       <p:pic>
         <p:nvPicPr>
           <p:cNvPr id="4" name="Picture 3">
+            <a:hlinkClick r:id="rId2"/>
             <a:extLst>
               <a:ext uri="{FF2B5EF4-FFF2-40B4-BE49-F238E27FC236}">
                 <a16:creationId xmlns:a16="http://schemas.microsoft.com/office/drawing/2014/main" id="{7767BCC4-3D59-42AD-A688-99E99612AC17}"/>
@@ -42665,7 +42780,7 @@
           <p:nvPr/>
         </p:nvPicPr>
         <p:blipFill>
-          <a:blip r:embed="rId2"/>
+          <a:blip r:embed="rId3"/>
           <a:stretch>
             <a:fillRect/>
           </a:stretch>
@@ -42763,6 +42878,7 @@
       <p:pic>
         <p:nvPicPr>
           <p:cNvPr id="4" name="Picture 3">
+            <a:hlinkClick r:id="rId2"/>
             <a:extLst>
               <a:ext uri="{FF2B5EF4-FFF2-40B4-BE49-F238E27FC236}">
                 <a16:creationId xmlns:a16="http://schemas.microsoft.com/office/drawing/2014/main" id="{03ACDED3-41A2-40E3-A753-E9D2A20CBAE7}"/>
@@ -42775,7 +42891,7 @@
           <p:nvPr/>
         </p:nvPicPr>
         <p:blipFill>
-          <a:blip r:embed="rId2"/>
+          <a:blip r:embed="rId3"/>
           <a:stretch>
             <a:fillRect/>
           </a:stretch>
@@ -42873,6 +42989,7 @@
       <p:pic>
         <p:nvPicPr>
           <p:cNvPr id="4" name="Picture 3">
+            <a:hlinkClick r:id="rId2"/>
             <a:extLst>
               <a:ext uri="{FF2B5EF4-FFF2-40B4-BE49-F238E27FC236}">
                 <a16:creationId xmlns:a16="http://schemas.microsoft.com/office/drawing/2014/main" id="{12306FB4-6777-40F9-A108-B46BF8E189E1}"/>
@@ -42885,7 +43002,7 @@
           <p:nvPr/>
         </p:nvPicPr>
         <p:blipFill>
-          <a:blip r:embed="rId2"/>
+          <a:blip r:embed="rId3"/>
           <a:stretch>
             <a:fillRect/>
           </a:stretch>
@@ -42983,6 +43100,7 @@
       <p:pic>
         <p:nvPicPr>
           <p:cNvPr id="4" name="Picture 3">
+            <a:hlinkClick r:id="rId2"/>
             <a:extLst>
               <a:ext uri="{FF2B5EF4-FFF2-40B4-BE49-F238E27FC236}">
                 <a16:creationId xmlns:a16="http://schemas.microsoft.com/office/drawing/2014/main" id="{5983F4A8-6BDD-4F68-B111-50AED61743BF}"/>
@@ -42995,7 +43113,7 @@
           <p:nvPr/>
         </p:nvPicPr>
         <p:blipFill>
-          <a:blip r:embed="rId2"/>
+          <a:blip r:embed="rId3"/>
           <a:stretch>
             <a:fillRect/>
           </a:stretch>
@@ -43093,6 +43211,7 @@
       <p:pic>
         <p:nvPicPr>
           <p:cNvPr id="4" name="Picture 3">
+            <a:hlinkClick r:id="rId2"/>
             <a:extLst>
               <a:ext uri="{FF2B5EF4-FFF2-40B4-BE49-F238E27FC236}">
                 <a16:creationId xmlns:a16="http://schemas.microsoft.com/office/drawing/2014/main" id="{AAC151A5-5B13-4C77-B0BD-FE4D3C5BD951}"/>
@@ -43105,7 +43224,7 @@
           <p:nvPr/>
         </p:nvPicPr>
         <p:blipFill>
-          <a:blip r:embed="rId2"/>
+          <a:blip r:embed="rId3"/>
           <a:stretch>
             <a:fillRect/>
           </a:stretch>
@@ -43178,6 +43297,7 @@
       <p:pic>
         <p:nvPicPr>
           <p:cNvPr id="5" name="Picture 4">
+            <a:hlinkClick r:id="rId2"/>
             <a:extLst>
               <a:ext uri="{FF2B5EF4-FFF2-40B4-BE49-F238E27FC236}">
                 <a16:creationId xmlns:a16="http://schemas.microsoft.com/office/drawing/2014/main" id="{02E0B792-6CC5-4849-BAD2-5928CE839855}"/>
@@ -43190,7 +43310,7 @@
           <p:nvPr/>
         </p:nvPicPr>
         <p:blipFill>
-          <a:blip r:embed="rId2"/>
+          <a:blip r:embed="rId3"/>
           <a:stretch>
             <a:fillRect/>
           </a:stretch>
@@ -43992,7 +44112,7 @@
         </p:blipFill>
         <p:spPr bwMode="auto">
           <a:xfrm>
-            <a:off x="18816" y="1388534"/>
+            <a:off x="18816" y="1456267"/>
             <a:ext cx="12154368" cy="5469466"/>
           </a:xfrm>
           <a:prstGeom prst="rect">
@@ -44014,6 +44134,223 @@
     <p:extLst>
       <p:ext uri="{BB962C8B-B14F-4D97-AF65-F5344CB8AC3E}">
         <p14:creationId xmlns:p14="http://schemas.microsoft.com/office/powerpoint/2010/main" val="4283618062"/>
+      </p:ext>
+    </p:extLst>
+  </p:cSld>
+  <p:clrMapOvr>
+    <a:masterClrMapping/>
+  </p:clrMapOvr>
+</p:sld>
+</file>
+
+<file path=ppt/slides/slide61.xml><?xml version="1.0" encoding="utf-8"?>
+<p:sld xmlns:a="http://schemas.openxmlformats.org/drawingml/2006/main" xmlns:r="http://schemas.openxmlformats.org/officeDocument/2006/relationships" xmlns:p="http://schemas.openxmlformats.org/presentationml/2006/main">
+  <p:cSld>
+    <p:spTree>
+      <p:nvGrpSpPr>
+        <p:cNvPr id="1" name=""/>
+        <p:cNvGrpSpPr/>
+        <p:nvPr/>
+      </p:nvGrpSpPr>
+      <p:grpSpPr>
+        <a:xfrm>
+          <a:off x="0" y="0"/>
+          <a:ext cx="0" cy="0"/>
+          <a:chOff x="0" y="0"/>
+          <a:chExt cx="0" cy="0"/>
+        </a:xfrm>
+      </p:grpSpPr>
+      <p:sp>
+        <p:nvSpPr>
+          <p:cNvPr id="2" name="Title 1">
+            <a:extLst>
+              <a:ext uri="{FF2B5EF4-FFF2-40B4-BE49-F238E27FC236}">
+                <a16:creationId xmlns:a16="http://schemas.microsoft.com/office/drawing/2014/main" id="{DDD8A943-4022-4797-82D1-7359CDE256B5}"/>
+              </a:ext>
+            </a:extLst>
+          </p:cNvPr>
+          <p:cNvSpPr>
+            <a:spLocks noGrp="1"/>
+          </p:cNvSpPr>
+          <p:nvPr>
+            <p:ph type="title"/>
+          </p:nvPr>
+        </p:nvSpPr>
+        <p:spPr/>
+        <p:txBody>
+          <a:bodyPr/>
+          <a:lstStyle/>
+          <a:p>
+            <a:r>
+              <a:rPr lang="en-US" dirty="0"/>
+              <a:t>See also</a:t>
+            </a:r>
+          </a:p>
+        </p:txBody>
+      </p:sp>
+      <p:sp>
+        <p:nvSpPr>
+          <p:cNvPr id="3" name="Content Placeholder 2">
+            <a:extLst>
+              <a:ext uri="{FF2B5EF4-FFF2-40B4-BE49-F238E27FC236}">
+                <a16:creationId xmlns:a16="http://schemas.microsoft.com/office/drawing/2014/main" id="{2EC1FA1F-3E68-491A-BC0E-A9AFC7FDFC7C}"/>
+              </a:ext>
+            </a:extLst>
+          </p:cNvPr>
+          <p:cNvSpPr>
+            <a:spLocks noGrp="1"/>
+          </p:cNvSpPr>
+          <p:nvPr>
+            <p:ph idx="1"/>
+          </p:nvPr>
+        </p:nvSpPr>
+        <p:spPr/>
+        <p:txBody>
+          <a:bodyPr/>
+          <a:lstStyle/>
+          <a:p>
+            <a:r>
+              <a:rPr lang="en-US" dirty="0">
+                <a:hlinkClick r:id="rId2"/>
+              </a:rPr>
+              <a:t>Strategies and Algorithms for Clustering Large Datasets: A Review </a:t>
+            </a:r>
+            <a:endParaRPr lang="en-US" dirty="0"/>
+          </a:p>
+          <a:p>
+            <a:r>
+              <a:rPr lang="en-US" dirty="0">
+                <a:hlinkClick r:id="rId3"/>
+              </a:rPr>
+              <a:t>https://stackoverflow.com/questions/45307370/memory-issues-cluster-analysis-with-very-large-multi-scaled-data-in-r-using-gow</a:t>
+            </a:r>
+            <a:endParaRPr lang="en-US" dirty="0">
+              <a:hlinkClick r:id="rId4"/>
+            </a:endParaRPr>
+          </a:p>
+          <a:p>
+            <a:r>
+              <a:rPr lang="en-US" dirty="0">
+                <a:hlinkClick r:id="rId4"/>
+              </a:rPr>
+              <a:t>https://spark.apache.org/docs/latest/ml-clustering.html</a:t>
+            </a:r>
+            <a:endParaRPr lang="en-US" dirty="0"/>
+          </a:p>
+          <a:p>
+            <a:pPr lvl="1"/>
+            <a:r>
+              <a:rPr lang="en-US" dirty="0"/>
+              <a:t>K-means</a:t>
+            </a:r>
+          </a:p>
+          <a:p>
+            <a:pPr lvl="1"/>
+            <a:r>
+              <a:rPr lang="en-US" dirty="0"/>
+              <a:t>Latent Dirichlet allocation (LDA)</a:t>
+            </a:r>
+          </a:p>
+          <a:p>
+            <a:pPr lvl="1"/>
+            <a:r>
+              <a:rPr lang="en-US" dirty="0"/>
+              <a:t>Bisecting k-means</a:t>
+            </a:r>
+          </a:p>
+          <a:p>
+            <a:pPr lvl="1"/>
+            <a:r>
+              <a:rPr lang="en-US" dirty="0"/>
+              <a:t>Gaussian Mixture Model (GMM)</a:t>
+            </a:r>
+          </a:p>
+        </p:txBody>
+      </p:sp>
+    </p:spTree>
+    <p:extLst>
+      <p:ext uri="{BB962C8B-B14F-4D97-AF65-F5344CB8AC3E}">
+        <p14:creationId xmlns:p14="http://schemas.microsoft.com/office/powerpoint/2010/main" val="3117939702"/>
+      </p:ext>
+    </p:extLst>
+  </p:cSld>
+  <p:clrMapOvr>
+    <a:masterClrMapping/>
+  </p:clrMapOvr>
+</p:sld>
+</file>
+
+<file path=ppt/slides/slide62.xml><?xml version="1.0" encoding="utf-8"?>
+<p:sld xmlns:a="http://schemas.openxmlformats.org/drawingml/2006/main" xmlns:r="http://schemas.openxmlformats.org/officeDocument/2006/relationships" xmlns:p="http://schemas.openxmlformats.org/presentationml/2006/main">
+  <p:cSld>
+    <p:spTree>
+      <p:nvGrpSpPr>
+        <p:cNvPr id="1" name=""/>
+        <p:cNvGrpSpPr/>
+        <p:nvPr/>
+      </p:nvGrpSpPr>
+      <p:grpSpPr>
+        <a:xfrm>
+          <a:off x="0" y="0"/>
+          <a:ext cx="0" cy="0"/>
+          <a:chOff x="0" y="0"/>
+          <a:chExt cx="0" cy="0"/>
+        </a:xfrm>
+      </p:grpSpPr>
+      <p:sp>
+        <p:nvSpPr>
+          <p:cNvPr id="2" name="Title 1">
+            <a:extLst>
+              <a:ext uri="{FF2B5EF4-FFF2-40B4-BE49-F238E27FC236}">
+                <a16:creationId xmlns:a16="http://schemas.microsoft.com/office/drawing/2014/main" id="{2DD28786-35A0-4789-9CF5-5A345757B668}"/>
+              </a:ext>
+            </a:extLst>
+          </p:cNvPr>
+          <p:cNvSpPr>
+            <a:spLocks noGrp="1"/>
+          </p:cNvSpPr>
+          <p:nvPr>
+            <p:ph type="title"/>
+          </p:nvPr>
+        </p:nvSpPr>
+        <p:spPr/>
+        <p:txBody>
+          <a:bodyPr/>
+          <a:lstStyle/>
+          <a:p>
+            <a:endParaRPr lang="en-US"/>
+          </a:p>
+        </p:txBody>
+      </p:sp>
+      <p:sp>
+        <p:nvSpPr>
+          <p:cNvPr id="3" name="Content Placeholder 2">
+            <a:extLst>
+              <a:ext uri="{FF2B5EF4-FFF2-40B4-BE49-F238E27FC236}">
+                <a16:creationId xmlns:a16="http://schemas.microsoft.com/office/drawing/2014/main" id="{857C499C-03F8-4BD1-877F-12C1EB37F87E}"/>
+              </a:ext>
+            </a:extLst>
+          </p:cNvPr>
+          <p:cNvSpPr>
+            <a:spLocks noGrp="1"/>
+          </p:cNvSpPr>
+          <p:nvPr>
+            <p:ph idx="1"/>
+          </p:nvPr>
+        </p:nvSpPr>
+        <p:spPr/>
+        <p:txBody>
+          <a:bodyPr/>
+          <a:lstStyle/>
+          <a:p>
+            <a:endParaRPr lang="en-US"/>
+          </a:p>
+        </p:txBody>
+      </p:sp>
+    </p:spTree>
+    <p:extLst>
+      <p:ext uri="{BB962C8B-B14F-4D97-AF65-F5344CB8AC3E}">
+        <p14:creationId xmlns:p14="http://schemas.microsoft.com/office/powerpoint/2010/main" val="2753846041"/>
       </p:ext>
     </p:extLst>
   </p:cSld>

--- a/slides/06_ML_Clustering.pptx
+++ b/slides/06_ML_Clustering.pptx
@@ -258,7 +258,7 @@
           <a:p>
             <a:fld id="{7B6EC019-8BE9-4716-A045-AB4F46EC50AD}" type="datetimeFigureOut">
               <a:rPr lang="en-US" smtClean="0"/>
-              <a:t>6/6/2020</a:t>
+              <a:t>8/19/2020</a:t>
             </a:fld>
             <a:endParaRPr lang="en-US"/>
           </a:p>
@@ -5013,7 +5013,7 @@
           <a:p>
             <a:fld id="{5F6D1571-7249-4A7C-B463-A862308C856B}" type="datetimeFigureOut">
               <a:rPr lang="en-US" smtClean="0"/>
-              <a:t>6/6/2020</a:t>
+              <a:t>8/19/2020</a:t>
             </a:fld>
             <a:endParaRPr lang="en-US"/>
           </a:p>
@@ -5211,7 +5211,7 @@
           <a:p>
             <a:fld id="{5F6D1571-7249-4A7C-B463-A862308C856B}" type="datetimeFigureOut">
               <a:rPr lang="en-US" smtClean="0"/>
-              <a:t>6/6/2020</a:t>
+              <a:t>8/19/2020</a:t>
             </a:fld>
             <a:endParaRPr lang="en-US"/>
           </a:p>
@@ -5419,7 +5419,7 @@
           <a:p>
             <a:fld id="{5F6D1571-7249-4A7C-B463-A862308C856B}" type="datetimeFigureOut">
               <a:rPr lang="en-US" smtClean="0"/>
-              <a:t>6/6/2020</a:t>
+              <a:t>8/19/2020</a:t>
             </a:fld>
             <a:endParaRPr lang="en-US"/>
           </a:p>
@@ -5617,7 +5617,7 @@
           <a:p>
             <a:fld id="{5F6D1571-7249-4A7C-B463-A862308C856B}" type="datetimeFigureOut">
               <a:rPr lang="en-US" smtClean="0"/>
-              <a:t>6/6/2020</a:t>
+              <a:t>8/19/2020</a:t>
             </a:fld>
             <a:endParaRPr lang="en-US"/>
           </a:p>
@@ -5892,7 +5892,7 @@
           <a:p>
             <a:fld id="{5F6D1571-7249-4A7C-B463-A862308C856B}" type="datetimeFigureOut">
               <a:rPr lang="en-US" smtClean="0"/>
-              <a:t>6/6/2020</a:t>
+              <a:t>8/19/2020</a:t>
             </a:fld>
             <a:endParaRPr lang="en-US"/>
           </a:p>
@@ -6157,7 +6157,7 @@
           <a:p>
             <a:fld id="{5F6D1571-7249-4A7C-B463-A862308C856B}" type="datetimeFigureOut">
               <a:rPr lang="en-US" smtClean="0"/>
-              <a:t>6/6/2020</a:t>
+              <a:t>8/19/2020</a:t>
             </a:fld>
             <a:endParaRPr lang="en-US"/>
           </a:p>
@@ -6569,7 +6569,7 @@
           <a:p>
             <a:fld id="{5F6D1571-7249-4A7C-B463-A862308C856B}" type="datetimeFigureOut">
               <a:rPr lang="en-US" smtClean="0"/>
-              <a:t>6/6/2020</a:t>
+              <a:t>8/19/2020</a:t>
             </a:fld>
             <a:endParaRPr lang="en-US"/>
           </a:p>
@@ -6710,7 +6710,7 @@
           <a:p>
             <a:fld id="{5F6D1571-7249-4A7C-B463-A862308C856B}" type="datetimeFigureOut">
               <a:rPr lang="en-US" smtClean="0"/>
-              <a:t>6/6/2020</a:t>
+              <a:t>8/19/2020</a:t>
             </a:fld>
             <a:endParaRPr lang="en-US"/>
           </a:p>
@@ -6823,7 +6823,7 @@
           <a:p>
             <a:fld id="{5F6D1571-7249-4A7C-B463-A862308C856B}" type="datetimeFigureOut">
               <a:rPr lang="en-US" smtClean="0"/>
-              <a:t>6/6/2020</a:t>
+              <a:t>8/19/2020</a:t>
             </a:fld>
             <a:endParaRPr lang="en-US"/>
           </a:p>
@@ -7134,7 +7134,7 @@
           <a:p>
             <a:fld id="{5F6D1571-7249-4A7C-B463-A862308C856B}" type="datetimeFigureOut">
               <a:rPr lang="en-US" smtClean="0"/>
-              <a:t>6/6/2020</a:t>
+              <a:t>8/19/2020</a:t>
             </a:fld>
             <a:endParaRPr lang="en-US"/>
           </a:p>
@@ -7422,7 +7422,7 @@
           <a:p>
             <a:fld id="{5F6D1571-7249-4A7C-B463-A862308C856B}" type="datetimeFigureOut">
               <a:rPr lang="en-US" smtClean="0"/>
-              <a:t>6/6/2020</a:t>
+              <a:t>8/19/2020</a:t>
             </a:fld>
             <a:endParaRPr lang="en-US"/>
           </a:p>
@@ -7663,7 +7663,7 @@
           <a:p>
             <a:fld id="{5F6D1571-7249-4A7C-B463-A862308C856B}" type="datetimeFigureOut">
               <a:rPr lang="en-US" smtClean="0"/>
-              <a:t>6/6/2020</a:t>
+              <a:t>8/19/2020</a:t>
             </a:fld>
             <a:endParaRPr lang="en-US"/>
           </a:p>
@@ -44206,7 +44206,9 @@
         </p:nvSpPr>
         <p:spPr/>
         <p:txBody>
-          <a:bodyPr/>
+          <a:bodyPr>
+            <a:normAutofit lnSpcReduction="10000"/>
+          </a:bodyPr>
           <a:lstStyle/>
           <a:p>
             <a:r>
@@ -44222,16 +44224,25 @@
               <a:rPr lang="en-US" dirty="0">
                 <a:hlinkClick r:id="rId3"/>
               </a:rPr>
+              <a:t>DBSCAN vs OPTICS</a:t>
+            </a:r>
+            <a:endParaRPr lang="en-US" dirty="0"/>
+          </a:p>
+          <a:p>
+            <a:r>
+              <a:rPr lang="en-US" dirty="0">
+                <a:hlinkClick r:id="rId4"/>
+              </a:rPr>
               <a:t>https://stackoverflow.com/questions/45307370/memory-issues-cluster-analysis-with-very-large-multi-scaled-data-in-r-using-gow</a:t>
             </a:r>
             <a:endParaRPr lang="en-US" dirty="0">
-              <a:hlinkClick r:id="rId4"/>
+              <a:hlinkClick r:id="rId5"/>
             </a:endParaRPr>
           </a:p>
           <a:p>
             <a:r>
               <a:rPr lang="en-US" dirty="0">
-                <a:hlinkClick r:id="rId4"/>
+                <a:hlinkClick r:id="rId5"/>
               </a:rPr>
               <a:t>https://spark.apache.org/docs/latest/ml-clustering.html</a:t>
             </a:r>
@@ -44264,6 +44275,15 @@
               <a:rPr lang="en-US" dirty="0"/>
               <a:t>Gaussian Mixture Model (GMM)</a:t>
             </a:r>
+          </a:p>
+          <a:p>
+            <a:r>
+              <a:rPr lang="en-US" dirty="0">
+                <a:hlinkClick r:id="rId6"/>
+              </a:rPr>
+              <a:t>Cophenetic correlation</a:t>
+            </a:r>
+            <a:endParaRPr lang="en-US" dirty="0"/>
           </a:p>
         </p:txBody>
       </p:sp>
